--- a/Dokumentacja/Tillsammens.pptx
+++ b/Dokumentacja/Tillsammens.pptx
@@ -13,13 +13,13 @@
     <p:sldId id="257" r:id="rId5"/>
     <p:sldId id="269" r:id="rId6"/>
     <p:sldId id="270" r:id="rId7"/>
-    <p:sldId id="271" r:id="rId8"/>
-    <p:sldId id="272" r:id="rId9"/>
-    <p:sldId id="265" r:id="rId10"/>
-    <p:sldId id="264" r:id="rId11"/>
-    <p:sldId id="266" r:id="rId12"/>
-    <p:sldId id="267" r:id="rId13"/>
-    <p:sldId id="268" r:id="rId14"/>
+    <p:sldId id="272" r:id="rId8"/>
+    <p:sldId id="265" r:id="rId9"/>
+    <p:sldId id="264" r:id="rId10"/>
+    <p:sldId id="266" r:id="rId11"/>
+    <p:sldId id="267" r:id="rId12"/>
+    <p:sldId id="268" r:id="rId13"/>
+    <p:sldId id="275" r:id="rId14"/>
     <p:sldId id="274" r:id="rId15"/>
     <p:sldId id="263" r:id="rId16"/>
   </p:sldIdLst>
@@ -134,13 +134,13 @@
             <p14:sldId id="257"/>
             <p14:sldId id="269"/>
             <p14:sldId id="270"/>
-            <p14:sldId id="271"/>
             <p14:sldId id="272"/>
             <p14:sldId id="265"/>
             <p14:sldId id="264"/>
             <p14:sldId id="266"/>
             <p14:sldId id="267"/>
             <p14:sldId id="268"/>
+            <p14:sldId id="275"/>
             <p14:sldId id="274"/>
           </p14:sldIdLst>
         </p14:section>
@@ -257,7 +257,7 @@
           <a:p>
             <a:fld id="{EC13577B-6902-467D-A26C-08A0DD5E4E03}" type="datetimeFigureOut">
               <a:rPr lang="en-US" smtClean="0"/>
-              <a:t>12/11/2016</a:t>
+              <a:t>1/28/2017</a:t>
             </a:fld>
             <a:endParaRPr lang="en-US"/>
           </a:p>
@@ -907,7 +907,7 @@
           <a:p>
             <a:fld id="{8BEEBAAA-29B5-4AF5-BC5F-7E580C29002D}" type="datetimeFigureOut">
               <a:rPr lang="en-US" smtClean="0"/>
-              <a:t>12/11/2016</a:t>
+              <a:t>1/28/2017</a:t>
             </a:fld>
             <a:endParaRPr lang="en-US"/>
           </a:p>
@@ -1184,7 +1184,7 @@
           <a:p>
             <a:fld id="{8BEEBAAA-29B5-4AF5-BC5F-7E580C29002D}" type="datetimeFigureOut">
               <a:rPr lang="en-US" smtClean="0"/>
-              <a:t>12/11/2016</a:t>
+              <a:t>1/28/2017</a:t>
             </a:fld>
             <a:endParaRPr lang="en-US"/>
           </a:p>
@@ -1466,7 +1466,7 @@
           <a:p>
             <a:fld id="{8BEEBAAA-29B5-4AF5-BC5F-7E580C29002D}" type="datetimeFigureOut">
               <a:rPr lang="en-US" smtClean="0"/>
-              <a:t>12/11/2016</a:t>
+              <a:t>1/28/2017</a:t>
             </a:fld>
             <a:endParaRPr lang="en-US"/>
           </a:p>
@@ -1827,7 +1827,7 @@
           <a:p>
             <a:fld id="{8BEEBAAA-29B5-4AF5-BC5F-7E580C29002D}" type="datetimeFigureOut">
               <a:rPr lang="en-US" smtClean="0"/>
-              <a:t>12/11/2016</a:t>
+              <a:t>1/28/2017</a:t>
             </a:fld>
             <a:endParaRPr lang="en-US"/>
           </a:p>
@@ -2127,7 +2127,7 @@
           <a:p>
             <a:fld id="{8BEEBAAA-29B5-4AF5-BC5F-7E580C29002D}" type="datetimeFigureOut">
               <a:rPr lang="en-US" smtClean="0"/>
-              <a:t>12/11/2016</a:t>
+              <a:t>1/28/2017</a:t>
             </a:fld>
             <a:endParaRPr lang="en-US"/>
           </a:p>
@@ -2642,7 +2642,7 @@
           <a:p>
             <a:fld id="{8BEEBAAA-29B5-4AF5-BC5F-7E580C29002D}" type="datetimeFigureOut">
               <a:rPr lang="en-US" smtClean="0"/>
-              <a:t>12/11/2016</a:t>
+              <a:t>1/28/2017</a:t>
             </a:fld>
             <a:endParaRPr lang="en-US"/>
           </a:p>
@@ -3287,7 +3287,7 @@
           <a:p>
             <a:fld id="{8BEEBAAA-29B5-4AF5-BC5F-7E580C29002D}" type="datetimeFigureOut">
               <a:rPr lang="en-US" smtClean="0"/>
-              <a:t>12/11/2016</a:t>
+              <a:t>1/28/2017</a:t>
             </a:fld>
             <a:endParaRPr lang="en-US"/>
           </a:p>
@@ -3512,7 +3512,7 @@
           <a:p>
             <a:fld id="{8BEEBAAA-29B5-4AF5-BC5F-7E580C29002D}" type="datetimeFigureOut">
               <a:rPr lang="en-US" smtClean="0"/>
-              <a:t>12/11/2016</a:t>
+              <a:t>1/28/2017</a:t>
             </a:fld>
             <a:endParaRPr lang="en-US"/>
           </a:p>
@@ -3653,7 +3653,7 @@
           <a:p>
             <a:fld id="{8BEEBAAA-29B5-4AF5-BC5F-7E580C29002D}" type="datetimeFigureOut">
               <a:rPr lang="en-US" smtClean="0"/>
-              <a:t>12/11/2016</a:t>
+              <a:t>1/28/2017</a:t>
             </a:fld>
             <a:endParaRPr lang="en-US"/>
           </a:p>
@@ -3990,7 +3990,7 @@
           <a:p>
             <a:fld id="{8BEEBAAA-29B5-4AF5-BC5F-7E580C29002D}" type="datetimeFigureOut">
               <a:rPr lang="en-US" smtClean="0"/>
-              <a:t>12/11/2016</a:t>
+              <a:t>1/28/2017</a:t>
             </a:fld>
             <a:endParaRPr lang="en-US"/>
           </a:p>
@@ -4247,7 +4247,7 @@
           <a:p>
             <a:fld id="{8BEEBAAA-29B5-4AF5-BC5F-7E580C29002D}" type="datetimeFigureOut">
               <a:rPr lang="en-US" smtClean="0"/>
-              <a:t>12/11/2016</a:t>
+              <a:t>1/28/2017</a:t>
             </a:fld>
             <a:endParaRPr lang="en-US"/>
           </a:p>
@@ -4460,7 +4460,7 @@
           <a:p>
             <a:fld id="{8BEEBAAA-29B5-4AF5-BC5F-7E580C29002D}" type="datetimeFigureOut">
               <a:rPr lang="en-US" smtClean="0"/>
-              <a:t>12/11/2016</a:t>
+              <a:t>1/28/2017</a:t>
             </a:fld>
             <a:endParaRPr lang="en-US"/>
           </a:p>
@@ -4886,14 +4886,18 @@
           <a:p>
             <a:r>
               <a:rPr lang="pl-PL" sz="4800" dirty="0" smtClean="0"/>
-              <a:t>Aplikacja społecznościowa </a:t>
+              <a:t>Mobilna aplikacja </a:t>
+            </a:r>
+            <a:r>
+              <a:rPr lang="pl-PL" sz="4800" dirty="0" smtClean="0"/>
+              <a:t>społecznościowa </a:t>
+            </a:r>
+            <a:r>
+              <a:rPr lang="pl-PL" sz="4800" dirty="0" smtClean="0"/>
+              <a:t>oparta na </a:t>
             </a:r>
             <a:r>
               <a:rPr lang="pl-PL" sz="4800" dirty="0"/>
-              <a:t>z wykorzystaniem </a:t>
-            </a:r>
-            <a:r>
-              <a:rPr lang="pl-PL" sz="4800" dirty="0" err="1"/>
               <a:t>geolokalizacji</a:t>
             </a:r>
             <a:endParaRPr lang="en-US" sz="4800" dirty="0"/>
@@ -5044,8 +5048,8 @@
         </p:nvSpPr>
         <p:spPr>
           <a:xfrm>
-            <a:off x="800101" y="1825625"/>
-            <a:ext cx="6277104" cy="4351338"/>
+            <a:off x="604434" y="1909346"/>
+            <a:ext cx="4405977" cy="4351338"/>
           </a:xfrm>
         </p:spPr>
         <p:txBody>
@@ -5054,46 +5058,82 @@
           </a:bodyPr>
           <a:lstStyle/>
           <a:p>
-            <a:pPr marL="457200" indent="-457200">
+            <a:pPr marL="342900" indent="-342900">
               <a:buFont typeface="Arial" panose="020B0604020202020204" pitchFamily="34" charset="0"/>
               <a:buChar char="•"/>
             </a:pPr>
             <a:r>
-              <a:rPr lang="pl-PL" sz="3200" dirty="0" smtClean="0"/>
-              <a:t>Główna strona – wykorzystanie kontrolki </a:t>
-            </a:r>
-            <a:r>
-              <a:rPr lang="pl-PL" sz="3200" i="1" dirty="0" smtClean="0"/>
-              <a:t>pivot</a:t>
-            </a:r>
-            <a:r>
-              <a:rPr lang="pl-PL" sz="3200" dirty="0" smtClean="0"/>
-              <a:t> ułatiwającej nawigację miedzy stronami oraz zachowuje porządek wizualny i przejrzystość kodu.</a:t>
-            </a:r>
-          </a:p>
-          <a:p>
+              <a:rPr lang="pl-PL" sz="2400" dirty="0" smtClean="0"/>
+              <a:t>Szukanie użytkowników  w bazie oraz wyświetlone wyniki.</a:t>
+            </a:r>
+          </a:p>
+          <a:p>
+            <a:pPr marL="342900" indent="-342900">
+              <a:buFont typeface="Arial" panose="020B0604020202020204" pitchFamily="34" charset="0"/>
+              <a:buChar char="•"/>
+            </a:pPr>
+            <a:r>
+              <a:rPr lang="pl-PL" sz="2400" dirty="0" smtClean="0"/>
+              <a:t>Strona z danymi zalogowanego użytkownika.</a:t>
+            </a:r>
             <a:endParaRPr lang="pl-PL" sz="2400" dirty="0"/>
           </a:p>
         </p:txBody>
       </p:sp>
       <p:pic>
         <p:nvPicPr>
-          <p:cNvPr id="5" name="Picture 4"/>
+          <p:cNvPr id="3" name="Picture 2"/>
           <p:cNvPicPr>
             <a:picLocks noChangeAspect="1"/>
           </p:cNvPicPr>
           <p:nvPr/>
         </p:nvPicPr>
         <p:blipFill>
-          <a:blip r:embed="rId2"/>
+          <a:blip r:embed="rId2">
+            <a:extLst>
+              <a:ext uri="{28A0092B-C50C-407E-A947-70E740481C1C}">
+                <a14:useLocalDpi xmlns:a14="http://schemas.microsoft.com/office/drawing/2010/main" val="0"/>
+              </a:ext>
+            </a:extLst>
+          </a:blip>
           <a:stretch>
             <a:fillRect/>
           </a:stretch>
         </p:blipFill>
         <p:spPr>
           <a:xfrm>
-            <a:off x="7589990" y="243006"/>
-            <a:ext cx="3443027" cy="6215465"/>
+            <a:off x="5010411" y="700478"/>
+            <a:ext cx="3181794" cy="5953956"/>
+          </a:xfrm>
+          <a:prstGeom prst="rect">
+            <a:avLst/>
+          </a:prstGeom>
+        </p:spPr>
+      </p:pic>
+      <p:pic>
+        <p:nvPicPr>
+          <p:cNvPr id="7" name="Picture 6"/>
+          <p:cNvPicPr>
+            <a:picLocks noChangeAspect="1"/>
+          </p:cNvPicPr>
+          <p:nvPr/>
+        </p:nvPicPr>
+        <p:blipFill>
+          <a:blip r:embed="rId3">
+            <a:extLst>
+              <a:ext uri="{28A0092B-C50C-407E-A947-70E740481C1C}">
+                <a14:useLocalDpi xmlns:a14="http://schemas.microsoft.com/office/drawing/2010/main" val="0"/>
+              </a:ext>
+            </a:extLst>
+          </a:blip>
+          <a:stretch>
+            <a:fillRect/>
+          </a:stretch>
+        </p:blipFill>
+        <p:spPr>
+          <a:xfrm>
+            <a:off x="8616639" y="700478"/>
+            <a:ext cx="3200847" cy="5973009"/>
           </a:xfrm>
           <a:prstGeom prst="rect">
             <a:avLst/>
@@ -5103,7 +5143,7 @@
     </p:spTree>
     <p:extLst>
       <p:ext uri="{BB962C8B-B14F-4D97-AF65-F5344CB8AC3E}">
-        <p14:creationId xmlns:p14="http://schemas.microsoft.com/office/powerpoint/2010/main" val="1175120168"/>
+        <p14:creationId xmlns:p14="http://schemas.microsoft.com/office/powerpoint/2010/main" val="2570194823"/>
       </p:ext>
     </p:extLst>
   </p:cSld>
@@ -5153,157 +5193,6 @@
           <a:lstStyle/>
           <a:p>
             <a:r>
-              <a:rPr lang="pl-PL" dirty="0"/>
-              <a:t>Obsługa aplikacji</a:t>
-            </a:r>
-          </a:p>
-        </p:txBody>
-      </p:sp>
-      <p:sp>
-        <p:nvSpPr>
-          <p:cNvPr id="4" name="Content Placeholder 2"/>
-          <p:cNvSpPr>
-            <a:spLocks noGrp="1"/>
-          </p:cNvSpPr>
-          <p:nvPr>
-            <p:ph idx="1"/>
-          </p:nvPr>
-        </p:nvSpPr>
-        <p:spPr>
-          <a:xfrm>
-            <a:off x="604434" y="1711325"/>
-            <a:ext cx="4405977" cy="4351338"/>
-          </a:xfrm>
-        </p:spPr>
-        <p:txBody>
-          <a:bodyPr>
-            <a:noAutofit/>
-          </a:bodyPr>
-          <a:lstStyle/>
-          <a:p>
-            <a:pPr marL="342900" indent="-342900">
-              <a:buFont typeface="Arial" panose="020B0604020202020204" pitchFamily="34" charset="0"/>
-              <a:buChar char="•"/>
-            </a:pPr>
-            <a:r>
-              <a:rPr lang="pl-PL" sz="2400" dirty="0" smtClean="0"/>
-              <a:t>Szukanie uzytkowników  w bazie oraz wyświetlone wyniki.</a:t>
-            </a:r>
-          </a:p>
-          <a:p>
-            <a:pPr marL="342900" indent="-342900">
-              <a:buFont typeface="Arial" panose="020B0604020202020204" pitchFamily="34" charset="0"/>
-              <a:buChar char="•"/>
-            </a:pPr>
-            <a:r>
-              <a:rPr lang="pl-PL" sz="2400" dirty="0" smtClean="0"/>
-              <a:t>Strona z danymi zalogowanego użytkownika.</a:t>
-            </a:r>
-            <a:endParaRPr lang="pl-PL" sz="2400" dirty="0"/>
-          </a:p>
-        </p:txBody>
-      </p:sp>
-      <p:pic>
-        <p:nvPicPr>
-          <p:cNvPr id="5" name="Picture 4"/>
-          <p:cNvPicPr>
-            <a:picLocks noChangeAspect="1"/>
-          </p:cNvPicPr>
-          <p:nvPr/>
-        </p:nvPicPr>
-        <p:blipFill>
-          <a:blip r:embed="rId2"/>
-          <a:stretch>
-            <a:fillRect/>
-          </a:stretch>
-        </p:blipFill>
-        <p:spPr>
-          <a:xfrm>
-            <a:off x="5010411" y="700478"/>
-            <a:ext cx="3248025" cy="5953125"/>
-          </a:xfrm>
-          <a:prstGeom prst="rect">
-            <a:avLst/>
-          </a:prstGeom>
-        </p:spPr>
-      </p:pic>
-      <p:pic>
-        <p:nvPicPr>
-          <p:cNvPr id="6" name="Picture 5"/>
-          <p:cNvPicPr>
-            <a:picLocks noChangeAspect="1"/>
-          </p:cNvPicPr>
-          <p:nvPr/>
-        </p:nvPicPr>
-        <p:blipFill>
-          <a:blip r:embed="rId3"/>
-          <a:stretch>
-            <a:fillRect/>
-          </a:stretch>
-        </p:blipFill>
-        <p:spPr>
-          <a:xfrm>
-            <a:off x="8510568" y="700478"/>
-            <a:ext cx="3304085" cy="5966789"/>
-          </a:xfrm>
-          <a:prstGeom prst="rect">
-            <a:avLst/>
-          </a:prstGeom>
-        </p:spPr>
-      </p:pic>
-    </p:spTree>
-    <p:extLst>
-      <p:ext uri="{BB962C8B-B14F-4D97-AF65-F5344CB8AC3E}">
-        <p14:creationId xmlns:p14="http://schemas.microsoft.com/office/powerpoint/2010/main" val="2570194823"/>
-      </p:ext>
-    </p:extLst>
-  </p:cSld>
-  <p:clrMapOvr>
-    <a:masterClrMapping/>
-  </p:clrMapOvr>
-  <p:timing>
-    <p:tnLst>
-      <p:par>
-        <p:cTn id="1" dur="indefinite" restart="never" nodeType="tmRoot"/>
-      </p:par>
-    </p:tnLst>
-  </p:timing>
-</p:sld>
-</file>
-
-<file path=ppt/slides/slide12.xml><?xml version="1.0" encoding="utf-8"?>
-<p:sld xmlns:a="http://schemas.openxmlformats.org/drawingml/2006/main" xmlns:r="http://schemas.openxmlformats.org/officeDocument/2006/relationships" xmlns:p="http://schemas.openxmlformats.org/presentationml/2006/main">
-  <p:cSld>
-    <p:spTree>
-      <p:nvGrpSpPr>
-        <p:cNvPr id="1" name=""/>
-        <p:cNvGrpSpPr/>
-        <p:nvPr/>
-      </p:nvGrpSpPr>
-      <p:grpSpPr>
-        <a:xfrm>
-          <a:off x="0" y="0"/>
-          <a:ext cx="0" cy="0"/>
-          <a:chOff x="0" y="0"/>
-          <a:chExt cx="0" cy="0"/>
-        </a:xfrm>
-      </p:grpSpPr>
-      <p:sp>
-        <p:nvSpPr>
-          <p:cNvPr id="2" name="Title 1"/>
-          <p:cNvSpPr>
-            <a:spLocks noGrp="1"/>
-          </p:cNvSpPr>
-          <p:nvPr>
-            <p:ph type="title"/>
-          </p:nvPr>
-        </p:nvSpPr>
-        <p:spPr/>
-        <p:txBody>
-          <a:bodyPr/>
-          <a:lstStyle/>
-          <a:p>
-            <a:r>
               <a:rPr lang="pl-PL" dirty="0" smtClean="0"/>
               <a:t>Obsługa aplikacji</a:t>
             </a:r>
@@ -5311,32 +5200,6 @@
           </a:p>
         </p:txBody>
       </p:sp>
-      <p:pic>
-        <p:nvPicPr>
-          <p:cNvPr id="4" name="Content Placeholder 3"/>
-          <p:cNvPicPr>
-            <a:picLocks noGrp="1" noChangeAspect="1"/>
-          </p:cNvPicPr>
-          <p:nvPr>
-            <p:ph idx="1"/>
-          </p:nvPr>
-        </p:nvPicPr>
-        <p:blipFill>
-          <a:blip r:embed="rId2"/>
-          <a:stretch>
-            <a:fillRect/>
-          </a:stretch>
-        </p:blipFill>
-        <p:spPr>
-          <a:xfrm>
-            <a:off x="7876183" y="345726"/>
-            <a:ext cx="3342078" cy="6232525"/>
-          </a:xfrm>
-          <a:prstGeom prst="rect">
-            <a:avLst/>
-          </a:prstGeom>
-        </p:spPr>
-      </p:pic>
       <p:sp>
         <p:nvSpPr>
           <p:cNvPr id="5" name="Content Placeholder 2"/>
@@ -5564,13 +5427,8 @@
             </a:pPr>
             <a:r>
               <a:rPr lang="pl-PL" sz="2400" dirty="0" smtClean="0"/>
-              <a:t>Zachowana pełna funkcjonalnośc </a:t>
-            </a:r>
-            <a:r>
-              <a:rPr lang="pl-PL" sz="2400" dirty="0" smtClean="0"/>
-              <a:t>mapy.</a:t>
-            </a:r>
-            <a:endParaRPr lang="pl-PL" sz="2400" dirty="0" smtClean="0"/>
+              <a:t>Zachowana pełna funkcjonalnośc mapy.</a:t>
+            </a:r>
           </a:p>
           <a:p>
             <a:pPr marL="342900" indent="-342900">
@@ -5584,10 +5442,355 @@
           </a:p>
         </p:txBody>
       </p:sp>
+      <p:pic>
+        <p:nvPicPr>
+          <p:cNvPr id="6" name="Content Placeholder 5"/>
+          <p:cNvPicPr>
+            <a:picLocks noGrp="1" noChangeAspect="1"/>
+          </p:cNvPicPr>
+          <p:nvPr>
+            <p:ph idx="1"/>
+          </p:nvPr>
+        </p:nvPicPr>
+        <p:blipFill>
+          <a:blip r:embed="rId2">
+            <a:extLst>
+              <a:ext uri="{28A0092B-C50C-407E-A947-70E740481C1C}">
+                <a14:useLocalDpi xmlns:a14="http://schemas.microsoft.com/office/drawing/2010/main" val="0"/>
+              </a:ext>
+            </a:extLst>
+          </a:blip>
+          <a:stretch>
+            <a:fillRect/>
+          </a:stretch>
+        </p:blipFill>
+        <p:spPr>
+          <a:xfrm>
+            <a:off x="7814943" y="319140"/>
+            <a:ext cx="3120279" cy="5743523"/>
+          </a:xfrm>
+        </p:spPr>
+      </p:pic>
     </p:spTree>
     <p:extLst>
       <p:ext uri="{BB962C8B-B14F-4D97-AF65-F5344CB8AC3E}">
         <p14:creationId xmlns:p14="http://schemas.microsoft.com/office/powerpoint/2010/main" val="1465962887"/>
+      </p:ext>
+    </p:extLst>
+  </p:cSld>
+  <p:clrMapOvr>
+    <a:masterClrMapping/>
+  </p:clrMapOvr>
+  <p:timing>
+    <p:tnLst>
+      <p:par>
+        <p:cTn id="1" dur="indefinite" restart="never" nodeType="tmRoot"/>
+      </p:par>
+    </p:tnLst>
+  </p:timing>
+</p:sld>
+</file>
+
+<file path=ppt/slides/slide12.xml><?xml version="1.0" encoding="utf-8"?>
+<p:sld xmlns:a="http://schemas.openxmlformats.org/drawingml/2006/main" xmlns:r="http://schemas.openxmlformats.org/officeDocument/2006/relationships" xmlns:p="http://schemas.openxmlformats.org/presentationml/2006/main">
+  <p:cSld>
+    <p:spTree>
+      <p:nvGrpSpPr>
+        <p:cNvPr id="1" name=""/>
+        <p:cNvGrpSpPr/>
+        <p:nvPr/>
+      </p:nvGrpSpPr>
+      <p:grpSpPr>
+        <a:xfrm>
+          <a:off x="0" y="0"/>
+          <a:ext cx="0" cy="0"/>
+          <a:chOff x="0" y="0"/>
+          <a:chExt cx="0" cy="0"/>
+        </a:xfrm>
+      </p:grpSpPr>
+      <p:sp>
+        <p:nvSpPr>
+          <p:cNvPr id="2" name="Title 1"/>
+          <p:cNvSpPr>
+            <a:spLocks noGrp="1"/>
+          </p:cNvSpPr>
+          <p:nvPr>
+            <p:ph type="title"/>
+          </p:nvPr>
+        </p:nvSpPr>
+        <p:spPr/>
+        <p:txBody>
+          <a:bodyPr/>
+          <a:lstStyle/>
+          <a:p>
+            <a:r>
+              <a:rPr lang="pl-PL" dirty="0" smtClean="0"/>
+              <a:t>Obsługa </a:t>
+            </a:r>
+            <a:r>
+              <a:rPr lang="pl-PL" dirty="0" smtClean="0"/>
+              <a:t>aplikacji</a:t>
+            </a:r>
+            <a:endParaRPr lang="pl-PL" dirty="0"/>
+          </a:p>
+        </p:txBody>
+      </p:sp>
+      <p:sp>
+        <p:nvSpPr>
+          <p:cNvPr id="4" name="Content Placeholder 2"/>
+          <p:cNvSpPr txBox="1">
+            <a:spLocks/>
+          </p:cNvSpPr>
+          <p:nvPr/>
+        </p:nvSpPr>
+        <p:spPr>
+          <a:xfrm>
+            <a:off x="604434" y="1980568"/>
+            <a:ext cx="5395533" cy="4351338"/>
+          </a:xfrm>
+          <a:prstGeom prst="rect">
+            <a:avLst/>
+          </a:prstGeom>
+        </p:spPr>
+        <p:txBody>
+          <a:bodyPr vert="horz" lIns="91440" tIns="45720" rIns="91440" bIns="45720" rtlCol="0">
+            <a:noAutofit/>
+          </a:bodyPr>
+          <a:lstStyle>
+            <a:lvl1pPr marL="0" indent="0" algn="l" defTabSz="914400" rtl="0" eaLnBrk="1" latinLnBrk="0" hangingPunct="1">
+              <a:lnSpc>
+                <a:spcPct val="150000"/>
+              </a:lnSpc>
+              <a:spcBef>
+                <a:spcPct val="30000"/>
+              </a:spcBef>
+              <a:spcAft>
+                <a:spcPts val="1200"/>
+              </a:spcAft>
+              <a:buFont typeface="Arial" panose="020B0604020202020204" pitchFamily="34" charset="0"/>
+              <a:buNone/>
+              <a:defRPr sz="1600" kern="1200">
+                <a:solidFill>
+                  <a:schemeClr val="bg1">
+                    <a:lumMod val="50000"/>
+                  </a:schemeClr>
+                </a:solidFill>
+                <a:latin typeface="+mn-lt"/>
+                <a:ea typeface="+mn-ea"/>
+                <a:cs typeface="+mn-cs"/>
+              </a:defRPr>
+            </a:lvl1pPr>
+            <a:lvl2pPr marL="685800" indent="-228600" algn="l" defTabSz="914400" rtl="0" eaLnBrk="1" latinLnBrk="0" hangingPunct="1">
+              <a:lnSpc>
+                <a:spcPct val="150000"/>
+              </a:lnSpc>
+              <a:spcBef>
+                <a:spcPct val="30000"/>
+              </a:spcBef>
+              <a:spcAft>
+                <a:spcPts val="1200"/>
+              </a:spcAft>
+              <a:buFont typeface="Arial" panose="020B0604020202020204" pitchFamily="34" charset="0"/>
+              <a:buChar char="•"/>
+              <a:defRPr sz="1400" kern="1200">
+                <a:solidFill>
+                  <a:schemeClr val="bg1">
+                    <a:lumMod val="50000"/>
+                  </a:schemeClr>
+                </a:solidFill>
+                <a:latin typeface="+mn-lt"/>
+                <a:ea typeface="+mn-ea"/>
+                <a:cs typeface="+mn-cs"/>
+              </a:defRPr>
+            </a:lvl2pPr>
+            <a:lvl3pPr marL="1143000" indent="-228600" algn="l" defTabSz="914400" rtl="0" eaLnBrk="1" latinLnBrk="0" hangingPunct="1">
+              <a:lnSpc>
+                <a:spcPct val="150000"/>
+              </a:lnSpc>
+              <a:spcBef>
+                <a:spcPct val="30000"/>
+              </a:spcBef>
+              <a:spcAft>
+                <a:spcPts val="1200"/>
+              </a:spcAft>
+              <a:buFont typeface="Arial" panose="020B0604020202020204" pitchFamily="34" charset="0"/>
+              <a:buChar char="•"/>
+              <a:defRPr sz="1200" kern="1200">
+                <a:solidFill>
+                  <a:schemeClr val="bg1">
+                    <a:lumMod val="50000"/>
+                  </a:schemeClr>
+                </a:solidFill>
+                <a:latin typeface="+mn-lt"/>
+                <a:ea typeface="+mn-ea"/>
+                <a:cs typeface="+mn-cs"/>
+              </a:defRPr>
+            </a:lvl3pPr>
+            <a:lvl4pPr marL="1600200" indent="-228600" algn="l" defTabSz="914400" rtl="0" eaLnBrk="1" latinLnBrk="0" hangingPunct="1">
+              <a:lnSpc>
+                <a:spcPct val="150000"/>
+              </a:lnSpc>
+              <a:spcBef>
+                <a:spcPct val="30000"/>
+              </a:spcBef>
+              <a:spcAft>
+                <a:spcPts val="1200"/>
+              </a:spcAft>
+              <a:buFont typeface="Arial" panose="020B0604020202020204" pitchFamily="34" charset="0"/>
+              <a:buChar char="•"/>
+              <a:defRPr sz="1100" kern="1200">
+                <a:solidFill>
+                  <a:schemeClr val="bg1">
+                    <a:lumMod val="50000"/>
+                  </a:schemeClr>
+                </a:solidFill>
+                <a:latin typeface="+mn-lt"/>
+                <a:ea typeface="+mn-ea"/>
+                <a:cs typeface="+mn-cs"/>
+              </a:defRPr>
+            </a:lvl4pPr>
+            <a:lvl5pPr marL="2057400" indent="-228600" algn="l" defTabSz="914400" rtl="0" eaLnBrk="1" latinLnBrk="0" hangingPunct="1">
+              <a:lnSpc>
+                <a:spcPct val="150000"/>
+              </a:lnSpc>
+              <a:spcBef>
+                <a:spcPct val="30000"/>
+              </a:spcBef>
+              <a:spcAft>
+                <a:spcPts val="1200"/>
+              </a:spcAft>
+              <a:buFont typeface="Arial" panose="020B0604020202020204" pitchFamily="34" charset="0"/>
+              <a:buChar char="•"/>
+              <a:defRPr sz="1100" kern="1200">
+                <a:solidFill>
+                  <a:schemeClr val="bg1">
+                    <a:lumMod val="50000"/>
+                  </a:schemeClr>
+                </a:solidFill>
+                <a:latin typeface="+mn-lt"/>
+                <a:ea typeface="+mn-ea"/>
+                <a:cs typeface="+mn-cs"/>
+              </a:defRPr>
+            </a:lvl5pPr>
+            <a:lvl6pPr marL="2514600" indent="-228600" algn="l" defTabSz="914400" rtl="0" eaLnBrk="1" latinLnBrk="0" hangingPunct="1">
+              <a:lnSpc>
+                <a:spcPct val="90000"/>
+              </a:lnSpc>
+              <a:spcBef>
+                <a:spcPct val="30000"/>
+              </a:spcBef>
+              <a:buFont typeface="Arial" panose="020B0604020202020204" pitchFamily="34" charset="0"/>
+              <a:buChar char="•"/>
+              <a:defRPr sz="1800" kern="1200">
+                <a:solidFill>
+                  <a:schemeClr val="tx1"/>
+                </a:solidFill>
+                <a:latin typeface="+mn-lt"/>
+                <a:ea typeface="+mn-ea"/>
+                <a:cs typeface="+mn-cs"/>
+              </a:defRPr>
+            </a:lvl6pPr>
+            <a:lvl7pPr marL="2971800" indent="-228600" algn="l" defTabSz="914400" rtl="0" eaLnBrk="1" latinLnBrk="0" hangingPunct="1">
+              <a:lnSpc>
+                <a:spcPct val="90000"/>
+              </a:lnSpc>
+              <a:spcBef>
+                <a:spcPct val="30000"/>
+              </a:spcBef>
+              <a:buFont typeface="Arial" panose="020B0604020202020204" pitchFamily="34" charset="0"/>
+              <a:buChar char="•"/>
+              <a:defRPr sz="1800" kern="1200">
+                <a:solidFill>
+                  <a:schemeClr val="tx1"/>
+                </a:solidFill>
+                <a:latin typeface="+mn-lt"/>
+                <a:ea typeface="+mn-ea"/>
+                <a:cs typeface="+mn-cs"/>
+              </a:defRPr>
+            </a:lvl7pPr>
+            <a:lvl8pPr marL="3429000" indent="-228600" algn="l" defTabSz="914400" rtl="0" eaLnBrk="1" latinLnBrk="0" hangingPunct="1">
+              <a:lnSpc>
+                <a:spcPct val="90000"/>
+              </a:lnSpc>
+              <a:spcBef>
+                <a:spcPct val="30000"/>
+              </a:spcBef>
+              <a:buFont typeface="Arial" panose="020B0604020202020204" pitchFamily="34" charset="0"/>
+              <a:buChar char="•"/>
+              <a:defRPr sz="1800" kern="1200">
+                <a:solidFill>
+                  <a:schemeClr val="tx1"/>
+                </a:solidFill>
+                <a:latin typeface="+mn-lt"/>
+                <a:ea typeface="+mn-ea"/>
+                <a:cs typeface="+mn-cs"/>
+              </a:defRPr>
+            </a:lvl8pPr>
+            <a:lvl9pPr marL="3886200" indent="-228600" algn="l" defTabSz="914400" rtl="0" eaLnBrk="1" latinLnBrk="0" hangingPunct="1">
+              <a:lnSpc>
+                <a:spcPct val="90000"/>
+              </a:lnSpc>
+              <a:spcBef>
+                <a:spcPct val="30000"/>
+              </a:spcBef>
+              <a:buFont typeface="Arial" panose="020B0604020202020204" pitchFamily="34" charset="0"/>
+              <a:buChar char="•"/>
+              <a:defRPr sz="1800" kern="1200">
+                <a:solidFill>
+                  <a:schemeClr val="tx1"/>
+                </a:solidFill>
+                <a:latin typeface="+mn-lt"/>
+                <a:ea typeface="+mn-ea"/>
+                <a:cs typeface="+mn-cs"/>
+              </a:defRPr>
+            </a:lvl9pPr>
+          </a:lstStyle>
+          <a:p>
+            <a:pPr marL="342900" indent="-342900">
+              <a:buFont typeface="Arial" panose="020B0604020202020204" pitchFamily="34" charset="0"/>
+              <a:buChar char="•"/>
+            </a:pPr>
+            <a:r>
+              <a:rPr lang="pl-PL" sz="2400" dirty="0" smtClean="0"/>
+              <a:t>Strona ustawień – mozliwość zmiany hasła oraz opcja usunięcia konta przez deaktywację</a:t>
+            </a:r>
+          </a:p>
+        </p:txBody>
+      </p:sp>
+      <p:pic>
+        <p:nvPicPr>
+          <p:cNvPr id="5" name="Picture 4"/>
+          <p:cNvPicPr>
+            <a:picLocks noChangeAspect="1"/>
+          </p:cNvPicPr>
+          <p:nvPr/>
+        </p:nvPicPr>
+        <p:blipFill>
+          <a:blip r:embed="rId2">
+            <a:extLst>
+              <a:ext uri="{28A0092B-C50C-407E-A947-70E740481C1C}">
+                <a14:useLocalDpi xmlns:a14="http://schemas.microsoft.com/office/drawing/2010/main" val="0"/>
+              </a:ext>
+            </a:extLst>
+          </a:blip>
+          <a:stretch>
+            <a:fillRect/>
+          </a:stretch>
+        </p:blipFill>
+        <p:spPr>
+          <a:xfrm>
+            <a:off x="7306170" y="387476"/>
+            <a:ext cx="3191320" cy="5944430"/>
+          </a:xfrm>
+          <a:prstGeom prst="rect">
+            <a:avLst/>
+          </a:prstGeom>
+        </p:spPr>
+      </p:pic>
+    </p:spTree>
+    <p:extLst>
+      <p:ext uri="{BB962C8B-B14F-4D97-AF65-F5344CB8AC3E}">
+        <p14:creationId xmlns:p14="http://schemas.microsoft.com/office/powerpoint/2010/main" val="2416633298"/>
       </p:ext>
     </p:extLst>
   </p:cSld>
@@ -5672,8 +5875,35 @@
             </a:pPr>
             <a:r>
               <a:rPr lang="pl-PL" sz="2400" dirty="0" smtClean="0"/>
-              <a:t>Instalacja aplikacji na wielu urządzeniach z systemem Windows Phone 8.1 oraz Windows 10 Mobile</a:t>
-            </a:r>
+              <a:t>Instalacja aplikacji na wielu urządzeniach z systemem Windows Phone 8.1 oraz Windows 10 Mobile,</a:t>
+            </a:r>
+          </a:p>
+          <a:p>
+            <a:pPr marL="342900" indent="-342900">
+              <a:buFont typeface="Arial" panose="020B0604020202020204" pitchFamily="34" charset="0"/>
+              <a:buChar char="•"/>
+            </a:pPr>
+            <a:r>
+              <a:rPr lang="pl-PL" sz="2400" dirty="0" smtClean="0"/>
+              <a:t>Utworzenie wielu kont użytkowników i wykonanie licznych testów funkcjonalnych,</a:t>
+            </a:r>
+          </a:p>
+          <a:p>
+            <a:pPr marL="342900" indent="-342900">
+              <a:buFont typeface="Arial" panose="020B0604020202020204" pitchFamily="34" charset="0"/>
+              <a:buChar char="•"/>
+            </a:pPr>
+            <a:r>
+              <a:rPr lang="pl-PL" sz="2400" dirty="0" smtClean="0"/>
+              <a:t>Badanie zachowania aplikacji podczas np. braku dostępu do internetu lub wznawaianiu procesu aplikacji.</a:t>
+            </a:r>
+          </a:p>
+          <a:p>
+            <a:pPr marL="342900" indent="-342900">
+              <a:buFont typeface="Arial" panose="020B0604020202020204" pitchFamily="34" charset="0"/>
+              <a:buChar char="•"/>
+            </a:pPr>
+            <a:endParaRPr lang="pl-PL" sz="2400" dirty="0" smtClean="0"/>
           </a:p>
         </p:txBody>
       </p:sp>
@@ -5788,239 +6018,6 @@
       </p:sp>
       <p:sp>
         <p:nvSpPr>
-          <p:cNvPr id="8" name="Freeform 7">
-            <a:hlinkClick r:id="rId3" tooltip="Learn More"/>
-          </p:cNvPr>
-          <p:cNvSpPr/>
-          <p:nvPr/>
-        </p:nvSpPr>
-        <p:spPr>
-          <a:xfrm>
-            <a:off x="11557038" y="6134153"/>
-            <a:ext cx="431763" cy="431763"/>
-          </a:xfrm>
-          <a:custGeom>
-            <a:avLst/>
-            <a:gdLst>
-              <a:gd name="connsiteX0" fmla="*/ 283692 w 643468"/>
-              <a:gd name="connsiteY0" fmla="*/ 156886 h 643468"/>
-              <a:gd name="connsiteX1" fmla="*/ 315574 w 643468"/>
-              <a:gd name="connsiteY1" fmla="*/ 156886 h 643468"/>
-              <a:gd name="connsiteX2" fmla="*/ 486582 w 643468"/>
-              <a:gd name="connsiteY2" fmla="*/ 321734 h 643468"/>
-              <a:gd name="connsiteX3" fmla="*/ 315574 w 643468"/>
-              <a:gd name="connsiteY3" fmla="*/ 486582 h 643468"/>
-              <a:gd name="connsiteX4" fmla="*/ 283692 w 643468"/>
-              <a:gd name="connsiteY4" fmla="*/ 486582 h 643468"/>
-              <a:gd name="connsiteX5" fmla="*/ 441545 w 643468"/>
-              <a:gd name="connsiteY5" fmla="*/ 334415 h 643468"/>
-              <a:gd name="connsiteX6" fmla="*/ 156887 w 643468"/>
-              <a:gd name="connsiteY6" fmla="*/ 334415 h 643468"/>
-              <a:gd name="connsiteX7" fmla="*/ 156887 w 643468"/>
-              <a:gd name="connsiteY7" fmla="*/ 309054 h 643468"/>
-              <a:gd name="connsiteX8" fmla="*/ 441545 w 643468"/>
-              <a:gd name="connsiteY8" fmla="*/ 309054 h 643468"/>
-              <a:gd name="connsiteX9" fmla="*/ 321733 w 643468"/>
-              <a:gd name="connsiteY9" fmla="*/ 16937 h 643468"/>
-              <a:gd name="connsiteX10" fmla="*/ 16936 w 643468"/>
-              <a:gd name="connsiteY10" fmla="*/ 321734 h 643468"/>
-              <a:gd name="connsiteX11" fmla="*/ 321733 w 643468"/>
-              <a:gd name="connsiteY11" fmla="*/ 626531 h 643468"/>
-              <a:gd name="connsiteX12" fmla="*/ 626530 w 643468"/>
-              <a:gd name="connsiteY12" fmla="*/ 321734 h 643468"/>
-              <a:gd name="connsiteX13" fmla="*/ 321733 w 643468"/>
-              <a:gd name="connsiteY13" fmla="*/ 16937 h 643468"/>
-              <a:gd name="connsiteX14" fmla="*/ 321734 w 643468"/>
-              <a:gd name="connsiteY14" fmla="*/ 0 h 643468"/>
-              <a:gd name="connsiteX15" fmla="*/ 643468 w 643468"/>
-              <a:gd name="connsiteY15" fmla="*/ 321734 h 643468"/>
-              <a:gd name="connsiteX16" fmla="*/ 321734 w 643468"/>
-              <a:gd name="connsiteY16" fmla="*/ 643468 h 643468"/>
-              <a:gd name="connsiteX17" fmla="*/ 0 w 643468"/>
-              <a:gd name="connsiteY17" fmla="*/ 321734 h 643468"/>
-              <a:gd name="connsiteX18" fmla="*/ 321734 w 643468"/>
-              <a:gd name="connsiteY18" fmla="*/ 0 h 643468"/>
-            </a:gdLst>
-            <a:ahLst/>
-            <a:cxnLst>
-              <a:cxn ang="0">
-                <a:pos x="connsiteX0" y="connsiteY0"/>
-              </a:cxn>
-              <a:cxn ang="0">
-                <a:pos x="connsiteX1" y="connsiteY1"/>
-              </a:cxn>
-              <a:cxn ang="0">
-                <a:pos x="connsiteX2" y="connsiteY2"/>
-              </a:cxn>
-              <a:cxn ang="0">
-                <a:pos x="connsiteX3" y="connsiteY3"/>
-              </a:cxn>
-              <a:cxn ang="0">
-                <a:pos x="connsiteX4" y="connsiteY4"/>
-              </a:cxn>
-              <a:cxn ang="0">
-                <a:pos x="connsiteX5" y="connsiteY5"/>
-              </a:cxn>
-              <a:cxn ang="0">
-                <a:pos x="connsiteX6" y="connsiteY6"/>
-              </a:cxn>
-              <a:cxn ang="0">
-                <a:pos x="connsiteX7" y="connsiteY7"/>
-              </a:cxn>
-              <a:cxn ang="0">
-                <a:pos x="connsiteX8" y="connsiteY8"/>
-              </a:cxn>
-              <a:cxn ang="0">
-                <a:pos x="connsiteX9" y="connsiteY9"/>
-              </a:cxn>
-              <a:cxn ang="0">
-                <a:pos x="connsiteX10" y="connsiteY10"/>
-              </a:cxn>
-              <a:cxn ang="0">
-                <a:pos x="connsiteX11" y="connsiteY11"/>
-              </a:cxn>
-              <a:cxn ang="0">
-                <a:pos x="connsiteX12" y="connsiteY12"/>
-              </a:cxn>
-              <a:cxn ang="0">
-                <a:pos x="connsiteX13" y="connsiteY13"/>
-              </a:cxn>
-              <a:cxn ang="0">
-                <a:pos x="connsiteX14" y="connsiteY14"/>
-              </a:cxn>
-              <a:cxn ang="0">
-                <a:pos x="connsiteX15" y="connsiteY15"/>
-              </a:cxn>
-              <a:cxn ang="0">
-                <a:pos x="connsiteX16" y="connsiteY16"/>
-              </a:cxn>
-              <a:cxn ang="0">
-                <a:pos x="connsiteX17" y="connsiteY17"/>
-              </a:cxn>
-              <a:cxn ang="0">
-                <a:pos x="connsiteX18" y="connsiteY18"/>
-              </a:cxn>
-            </a:cxnLst>
-            <a:rect l="l" t="t" r="r" b="b"/>
-            <a:pathLst>
-              <a:path w="643468" h="643468">
-                <a:moveTo>
-                  <a:pt x="283692" y="156886"/>
-                </a:moveTo>
-                <a:lnTo>
-                  <a:pt x="315574" y="156886"/>
-                </a:lnTo>
-                <a:lnTo>
-                  <a:pt x="486582" y="321734"/>
-                </a:lnTo>
-                <a:lnTo>
-                  <a:pt x="315574" y="486582"/>
-                </a:lnTo>
-                <a:lnTo>
-                  <a:pt x="283692" y="486582"/>
-                </a:lnTo>
-                <a:lnTo>
-                  <a:pt x="441545" y="334415"/>
-                </a:lnTo>
-                <a:lnTo>
-                  <a:pt x="156887" y="334415"/>
-                </a:lnTo>
-                <a:lnTo>
-                  <a:pt x="156887" y="309054"/>
-                </a:lnTo>
-                <a:lnTo>
-                  <a:pt x="441545" y="309054"/>
-                </a:lnTo>
-                <a:close/>
-                <a:moveTo>
-                  <a:pt x="321733" y="16937"/>
-                </a:moveTo>
-                <a:cubicBezTo>
-                  <a:pt x="153398" y="16937"/>
-                  <a:pt x="16936" y="153399"/>
-                  <a:pt x="16936" y="321734"/>
-                </a:cubicBezTo>
-                <a:cubicBezTo>
-                  <a:pt x="16936" y="490069"/>
-                  <a:pt x="153398" y="626531"/>
-                  <a:pt x="321733" y="626531"/>
-                </a:cubicBezTo>
-                <a:cubicBezTo>
-                  <a:pt x="490068" y="626531"/>
-                  <a:pt x="626530" y="490069"/>
-                  <a:pt x="626530" y="321734"/>
-                </a:cubicBezTo>
-                <a:cubicBezTo>
-                  <a:pt x="626530" y="153399"/>
-                  <a:pt x="490068" y="16937"/>
-                  <a:pt x="321733" y="16937"/>
-                </a:cubicBezTo>
-                <a:close/>
-                <a:moveTo>
-                  <a:pt x="321734" y="0"/>
-                </a:moveTo>
-                <a:cubicBezTo>
-                  <a:pt x="499423" y="0"/>
-                  <a:pt x="643468" y="144045"/>
-                  <a:pt x="643468" y="321734"/>
-                </a:cubicBezTo>
-                <a:cubicBezTo>
-                  <a:pt x="643468" y="499423"/>
-                  <a:pt x="499423" y="643468"/>
-                  <a:pt x="321734" y="643468"/>
-                </a:cubicBezTo>
-                <a:cubicBezTo>
-                  <a:pt x="144045" y="643468"/>
-                  <a:pt x="0" y="499423"/>
-                  <a:pt x="0" y="321734"/>
-                </a:cubicBezTo>
-                <a:cubicBezTo>
-                  <a:pt x="0" y="144045"/>
-                  <a:pt x="144045" y="0"/>
-                  <a:pt x="321734" y="0"/>
-                </a:cubicBezTo>
-                <a:close/>
-              </a:path>
-            </a:pathLst>
-          </a:custGeom>
-          <a:solidFill>
-            <a:srgbClr val="DD462F"/>
-          </a:solidFill>
-          <a:ln>
-            <a:noFill/>
-          </a:ln>
-        </p:spPr>
-        <p:style>
-          <a:lnRef idx="2">
-            <a:schemeClr val="accent1">
-              <a:shade val="50000"/>
-            </a:schemeClr>
-          </a:lnRef>
-          <a:fillRef idx="1">
-            <a:schemeClr val="accent1"/>
-          </a:fillRef>
-          <a:effectRef idx="0">
-            <a:schemeClr val="accent1"/>
-          </a:effectRef>
-          <a:fontRef idx="minor">
-            <a:schemeClr val="lt1"/>
-          </a:fontRef>
-        </p:style>
-        <p:txBody>
-          <a:bodyPr rtlCol="0" anchor="ctr"/>
-          <a:lstStyle/>
-          <a:p>
-            <a:pPr algn="ctr"/>
-            <a:endParaRPr lang="en-US">
-              <a:solidFill>
-                <a:schemeClr val="tx1"/>
-              </a:solidFill>
-            </a:endParaRPr>
-          </a:p>
-        </p:txBody>
-      </p:sp>
-      <p:sp>
-        <p:nvSpPr>
           <p:cNvPr id="9" name="Text Placeholder 2">
             <a:hlinkClick r:id="rId3" tooltip="Learn More"/>
           </p:cNvPr>
@@ -6208,56 +6205,9 @@
           </a:lstStyle>
           <a:p>
             <a:pPr algn="r"/>
-            <a:r>
-              <a:rPr lang="en-US" sz="1800" dirty="0">
-                <a:solidFill>
-                  <a:srgbClr val="DD462F"/>
-                </a:solidFill>
-              </a:rPr>
-              <a:t>Find out more at the PowerPoint Getting Started Center</a:t>
-            </a:r>
-          </a:p>
-        </p:txBody>
-      </p:sp>
-      <p:sp>
-        <p:nvSpPr>
-          <p:cNvPr id="4" name="TextBox 3"/>
-          <p:cNvSpPr txBox="1"/>
-          <p:nvPr/>
-        </p:nvSpPr>
-        <p:spPr>
-          <a:xfrm>
-            <a:off x="8466022" y="6477369"/>
-            <a:ext cx="2963979" cy="298665"/>
-          </a:xfrm>
-          <a:prstGeom prst="rect">
-            <a:avLst/>
-          </a:prstGeom>
-          <a:noFill/>
-        </p:spPr>
-        <p:txBody>
-          <a:bodyPr wrap="none" rtlCol="0">
-            <a:noAutofit/>
-          </a:bodyPr>
-          <a:lstStyle/>
-          <a:p>
-            <a:r>
-              <a:rPr lang="en-US" sz="1200" dirty="0">
-                <a:solidFill>
-                  <a:srgbClr val="D24726">
-                    <a:alpha val="37000"/>
-                  </a:srgbClr>
-                </a:solidFill>
-              </a:rPr>
-              <a:t>(Click the arrow when in Slide Show mode)</a:t>
-            </a:r>
-          </a:p>
-          <a:p>
-            <a:endParaRPr lang="en-US" sz="1200" dirty="0">
+            <a:endParaRPr lang="en-US" sz="1800" dirty="0">
               <a:solidFill>
-                <a:srgbClr val="D24726">
-                  <a:alpha val="37000"/>
-                </a:srgbClr>
+                <a:srgbClr val="DD462F"/>
               </a:solidFill>
             </a:endParaRPr>
           </a:p>
@@ -6363,7 +6313,11 @@
             </a:pPr>
             <a:r>
               <a:rPr lang="pl-PL" sz="2400" dirty="0" smtClean="0"/>
-              <a:t>Mobilna Aplikacja internetowa służąca do odbierania i udostępniania danych o użytkownikach, a w szczególności ich położenia</a:t>
+              <a:t>Mobilna Aplikacja internetowa służąca do odbierania i udostępniania danych o użytkownikach, a w szczególności ich </a:t>
+            </a:r>
+            <a:r>
+              <a:rPr lang="pl-PL" sz="2400" dirty="0" smtClean="0"/>
+              <a:t>położenia,</a:t>
             </a:r>
             <a:endParaRPr lang="pl-PL" sz="2400" dirty="0"/>
           </a:p>
@@ -6374,7 +6328,15 @@
             </a:pPr>
             <a:r>
               <a:rPr lang="pl-PL" sz="2400" dirty="0" smtClean="0"/>
-              <a:t> API usytuowane na serwerach Microsoft Azure wraz z bazą danych</a:t>
+              <a:t>API z bazą danych usytuowane </a:t>
+            </a:r>
+            <a:r>
+              <a:rPr lang="pl-PL" sz="2400" dirty="0" smtClean="0"/>
+              <a:t>na serwerach Microsoft </a:t>
+            </a:r>
+            <a:r>
+              <a:rPr lang="pl-PL" sz="2400" dirty="0" smtClean="0"/>
+              <a:t>Azure,</a:t>
             </a:r>
           </a:p>
           <a:p>
@@ -6384,8 +6346,17 @@
             </a:pPr>
             <a:r>
               <a:rPr lang="pl-PL" sz="2400" dirty="0" smtClean="0"/>
-              <a:t>Aplikacja jest dostępna w Windows Store i działa na urządzeniach mobilnych z systemem operacyjnym Windows Phone 8.1</a:t>
-            </a:r>
+              <a:t>Aplikacja działająca na  urządzeniach </a:t>
+            </a:r>
+            <a:r>
+              <a:rPr lang="pl-PL" sz="2400" dirty="0" smtClean="0"/>
+              <a:t>mobilnych z systemem operacyjnym Windows Phone </a:t>
+            </a:r>
+            <a:r>
+              <a:rPr lang="pl-PL" sz="2400" dirty="0" smtClean="0"/>
+              <a:t>8.1 oraz Windows 10 Mobile</a:t>
+            </a:r>
+            <a:endParaRPr lang="pl-PL" sz="2400" dirty="0" smtClean="0"/>
           </a:p>
           <a:p>
             <a:pPr marL="342900" indent="-342900">
@@ -6476,55 +6447,97 @@
         </p:nvSpPr>
         <p:spPr>
           <a:xfrm>
-            <a:off x="1390388" y="1325564"/>
-            <a:ext cx="10018191" cy="6156000"/>
+            <a:off x="1335610" y="1447582"/>
+            <a:ext cx="10018191" cy="5410418"/>
           </a:xfrm>
         </p:spPr>
         <p:txBody>
           <a:bodyPr>
-            <a:normAutofit fontScale="85000" lnSpcReduction="10000"/>
+            <a:normAutofit fontScale="92500" lnSpcReduction="10000"/>
           </a:bodyPr>
           <a:lstStyle/>
           <a:p>
             <a:r>
               <a:rPr lang="pl-PL" sz="2600" dirty="0" smtClean="0"/>
-              <a:t>Posiadanie własnego konta z loginem i danymi. Mozliwość personalizacji aplikacji oraz zmiany ustawień.</a:t>
-            </a:r>
-          </a:p>
-          <a:p>
+              <a:t>Konta użytkowników </a:t>
+            </a:r>
             <a:r>
               <a:rPr lang="pl-PL" sz="2600" dirty="0" smtClean="0"/>
-              <a:t>Lokalizowanie uzytkownika przy użyciu systemu GPS dostępnego w zasobach </a:t>
-            </a:r>
-            <a:r>
-              <a:rPr lang="pl-PL" sz="2600" i="1" dirty="0" smtClean="0"/>
-              <a:t>smart phone’ow </a:t>
+              <a:t>z </a:t>
             </a:r>
             <a:r>
               <a:rPr lang="pl-PL" sz="2600" dirty="0" smtClean="0"/>
-              <a:t>oraz przeglądanie mapy z zaznaczonymi znajomymi na mapie.</a:t>
+              <a:t>indywidualnym loginem </a:t>
+            </a:r>
+            <a:r>
+              <a:rPr lang="pl-PL" sz="2600" dirty="0" smtClean="0"/>
+              <a:t>i danymi. </a:t>
+            </a:r>
+            <a:r>
+              <a:rPr lang="pl-PL" sz="2600" dirty="0" smtClean="0"/>
+              <a:t>Możliwość zmiany hasła oraz usunięcia konta.</a:t>
+            </a:r>
+            <a:endParaRPr lang="pl-PL" sz="2600" dirty="0" smtClean="0"/>
+          </a:p>
+          <a:p>
+            <a:r>
+              <a:rPr lang="pl-PL" sz="2600" dirty="0" smtClean="0"/>
+              <a:t>Lokalizowanie </a:t>
+            </a:r>
+            <a:r>
+              <a:rPr lang="pl-PL" sz="2600" dirty="0" smtClean="0"/>
+              <a:t>użytkownika </a:t>
+            </a:r>
+            <a:r>
+              <a:rPr lang="pl-PL" sz="2600" dirty="0" smtClean="0"/>
+              <a:t>przy użyciu systemu </a:t>
+            </a:r>
+            <a:r>
+              <a:rPr lang="pl-PL" sz="2600" dirty="0" smtClean="0"/>
+              <a:t>GPS oraz </a:t>
+            </a:r>
+            <a:r>
+              <a:rPr lang="pl-PL" sz="2600" dirty="0" smtClean="0"/>
+              <a:t>przeglądanie mapy z zaznaczonymi znajomymi na mapie.</a:t>
             </a:r>
           </a:p>
           <a:p>
             <a:r>
               <a:rPr lang="pl-PL" sz="2600" dirty="0"/>
-              <a:t>Lista znajomych i obsługa zaproszeń do listy znajomych, którzy udostępniają swoje </a:t>
+              <a:t>Lista znajomych i obsługa </a:t>
             </a:r>
             <a:r>
               <a:rPr lang="pl-PL" sz="2600" dirty="0" smtClean="0"/>
-              <a:t>dane.</a:t>
-            </a:r>
+              <a:t>zaproszeń.</a:t>
+            </a:r>
+            <a:endParaRPr lang="pl-PL" sz="2600" dirty="0" smtClean="0"/>
           </a:p>
           <a:p>
             <a:r>
               <a:rPr lang="pl-PL" sz="2600" dirty="0" smtClean="0"/>
-              <a:t>Możliwośc wyszukiwania uzytkowników w Bazie danych.</a:t>
-            </a:r>
-          </a:p>
-          <a:p>
+              <a:t>Wyszukiwanie użytkowników </a:t>
+            </a:r>
             <a:r>
               <a:rPr lang="pl-PL" sz="2600" dirty="0" smtClean="0"/>
-              <a:t>Wyświetlanie opisu, oraz zdjęcia użytkowników zawartych w liscie znajomych.</a:t>
+              <a:t>w </a:t>
+            </a:r>
+            <a:r>
+              <a:rPr lang="pl-PL" sz="2600" dirty="0" smtClean="0"/>
+              <a:t>bazie </a:t>
+            </a:r>
+            <a:r>
+              <a:rPr lang="pl-PL" sz="2600" dirty="0" smtClean="0"/>
+              <a:t>danych.</a:t>
+            </a:r>
+          </a:p>
+          <a:p>
+            <a:r>
+              <a:rPr lang="pl-PL" sz="2600" dirty="0" smtClean="0"/>
+              <a:t>Opis </a:t>
+            </a:r>
+            <a:r>
+              <a:rPr lang="pl-PL" sz="2600" dirty="0" smtClean="0"/>
+              <a:t>oraz zdjęcia użytkowników zawartych w liscie znajomych.</a:t>
             </a:r>
             <a:endParaRPr lang="en-US" sz="2600" dirty="0"/>
           </a:p>
@@ -6565,7 +6578,7 @@
         </p:blipFill>
         <p:spPr>
           <a:xfrm>
-            <a:off x="637408" y="4936517"/>
+            <a:off x="650542" y="5216531"/>
             <a:ext cx="412819" cy="367510"/>
           </a:xfrm>
           <a:prstGeom prst="rect">
@@ -6595,7 +6608,7 @@
         </p:blipFill>
         <p:spPr>
           <a:xfrm>
-            <a:off x="441047" y="2639791"/>
+            <a:off x="489484" y="2899755"/>
             <a:ext cx="809644" cy="809644"/>
           </a:xfrm>
           <a:prstGeom prst="rect">
@@ -6625,7 +6638,7 @@
         </p:blipFill>
         <p:spPr>
           <a:xfrm>
-            <a:off x="441047" y="3767051"/>
+            <a:off x="431027" y="3934560"/>
             <a:ext cx="851850" cy="851850"/>
           </a:xfrm>
           <a:prstGeom prst="rect">
@@ -6655,7 +6668,7 @@
         </p:blipFill>
         <p:spPr>
           <a:xfrm>
-            <a:off x="494952" y="1526484"/>
+            <a:off x="532305" y="1447582"/>
             <a:ext cx="724001" cy="724001"/>
           </a:xfrm>
           <a:prstGeom prst="rect">
@@ -6685,7 +6698,7 @@
         </p:blipFill>
         <p:spPr>
           <a:xfrm>
-            <a:off x="504971" y="5604242"/>
+            <a:off x="481915" y="5892340"/>
             <a:ext cx="724001" cy="724001"/>
           </a:xfrm>
           <a:prstGeom prst="rect">
@@ -6755,7 +6768,11 @@
           <a:p>
             <a:r>
               <a:rPr lang="pl-PL" dirty="0" smtClean="0"/>
-              <a:t>Wykorzystane technologie  API</a:t>
+              <a:t>Wykorzystane </a:t>
+            </a:r>
+            <a:r>
+              <a:rPr lang="pl-PL" dirty="0" smtClean="0"/>
+              <a:t>technologie i narzędzia</a:t>
             </a:r>
             <a:endParaRPr lang="pl-PL" dirty="0"/>
           </a:p>
@@ -6782,88 +6799,57 @@
             <a:normAutofit/>
           </a:bodyPr>
           <a:lstStyle/>
+          <a:p>
+            <a:pPr marL="457200" indent="-457200">
+              <a:buFont typeface="Arial" panose="020B0604020202020204" pitchFamily="34" charset="0"/>
+              <a:buChar char="•"/>
+            </a:pPr>
+            <a:r>
+              <a:rPr lang="pl-PL" sz="2800" dirty="0" smtClean="0"/>
+              <a:t>C#,</a:t>
+            </a:r>
+          </a:p>
+          <a:p>
+            <a:pPr marL="457200" indent="-457200">
+              <a:buFont typeface="Arial" panose="020B0604020202020204" pitchFamily="34" charset="0"/>
+              <a:buChar char="•"/>
+            </a:pPr>
+            <a:r>
+              <a:rPr lang="pl-PL" sz="2800" dirty="0" smtClean="0"/>
+              <a:t>Visual Studio 2015 Community,</a:t>
+            </a:r>
+          </a:p>
+          <a:p>
+            <a:pPr marL="457200" indent="-457200">
+              <a:buFont typeface="Arial" panose="020B0604020202020204" pitchFamily="34" charset="0"/>
+              <a:buChar char="•"/>
+            </a:pPr>
+            <a:r>
+              <a:rPr lang="pl-PL" sz="2800" dirty="0" smtClean="0"/>
+              <a:t>.NET</a:t>
+            </a:r>
+          </a:p>
+          <a:p>
+            <a:pPr marL="457200" indent="-457200">
+              <a:buFont typeface="Arial" panose="020B0604020202020204" pitchFamily="34" charset="0"/>
+              <a:buChar char="•"/>
+            </a:pPr>
+            <a:r>
+              <a:rPr lang="pl-PL" sz="2800" dirty="0" smtClean="0"/>
+              <a:t>XAML,</a:t>
+            </a:r>
+            <a:endParaRPr lang="pl-PL" sz="2800" dirty="0" smtClean="0"/>
+          </a:p>
           <a:p>
             <a:pPr marL="342900" indent="-342900">
               <a:buFont typeface="Arial" panose="020B0604020202020204" pitchFamily="34" charset="0"/>
               <a:buChar char="•"/>
             </a:pPr>
             <a:r>
-              <a:rPr lang="pl-PL" sz="2800" dirty="0" smtClean="0"/>
-              <a:t>Entity Framework </a:t>
-            </a:r>
-            <a:r>
               <a:rPr lang="pl-PL" sz="2800" i="1" dirty="0" smtClean="0"/>
-              <a:t>(„</a:t>
-            </a:r>
-            <a:r>
-              <a:rPr lang="en-US" sz="2800" i="1" dirty="0"/>
-              <a:t>an open source object-relational </a:t>
-            </a:r>
-            <a:r>
-              <a:rPr lang="en-US" sz="2800" i="1" dirty="0" smtClean="0"/>
-              <a:t>mapping</a:t>
-            </a:r>
-            <a:r>
-              <a:rPr lang="pl-PL" sz="2800" i="1" dirty="0" smtClean="0"/>
-              <a:t> tech.”)</a:t>
-            </a:r>
-          </a:p>
-          <a:p>
-            <a:pPr marL="342900" indent="-342900">
-              <a:buFont typeface="Arial" panose="020B0604020202020204" pitchFamily="34" charset="0"/>
-              <a:buChar char="•"/>
-            </a:pPr>
-            <a:r>
-              <a:rPr lang="pl-PL" sz="2800" dirty="0" smtClean="0"/>
-              <a:t>SQL</a:t>
-            </a:r>
-          </a:p>
-          <a:p>
-            <a:pPr marL="342900" indent="-342900">
-              <a:buFont typeface="Arial" panose="020B0604020202020204" pitchFamily="34" charset="0"/>
-              <a:buChar char="•"/>
-            </a:pPr>
-            <a:r>
-              <a:rPr lang="pl-PL" sz="2800" dirty="0" smtClean="0"/>
-              <a:t>Azure SDK – dodatek do Visual Studio platformy Azure</a:t>
-            </a:r>
-          </a:p>
-          <a:p>
-            <a:pPr marL="342900" indent="-342900">
-              <a:buFont typeface="Arial" panose="020B0604020202020204" pitchFamily="34" charset="0"/>
-              <a:buChar char="•"/>
-            </a:pPr>
-            <a:r>
-              <a:rPr lang="pl-PL" sz="2800" dirty="0" smtClean="0"/>
-              <a:t>MVC (</a:t>
-            </a:r>
-            <a:r>
-              <a:rPr lang="pl-PL" sz="2800" i="1" dirty="0" smtClean="0"/>
-              <a:t>ang. Model-View-Controller)</a:t>
+              <a:t>MVVM – (ang. Model-View-ViewModel),</a:t>
             </a:r>
             <a:endParaRPr lang="pl-PL" sz="2800" dirty="0" smtClean="0"/>
-          </a:p>
-          <a:p>
-            <a:pPr marL="342900" indent="-342900">
-              <a:buFont typeface="Arial" panose="020B0604020202020204" pitchFamily="34" charset="0"/>
-              <a:buChar char="•"/>
-            </a:pPr>
-            <a:r>
-              <a:rPr lang="pl-PL" sz="2800" i="1" dirty="0" smtClean="0"/>
-              <a:t>RESTful service (ang. </a:t>
-            </a:r>
-            <a:r>
-              <a:rPr lang="pl-PL" sz="2400" i="1" dirty="0" smtClean="0"/>
-              <a:t>Representational </a:t>
-            </a:r>
-            <a:r>
-              <a:rPr lang="pl-PL" sz="2400" i="1" dirty="0"/>
-              <a:t>State </a:t>
-            </a:r>
-            <a:r>
-              <a:rPr lang="pl-PL" sz="2400" i="1" dirty="0" smtClean="0"/>
-              <a:t>Transfer)</a:t>
-            </a:r>
           </a:p>
           <a:p>
             <a:endParaRPr lang="pl-PL" sz="2400" dirty="0" smtClean="0"/>
@@ -6923,37 +6909,136 @@
           <a:lstStyle/>
           <a:p>
             <a:r>
-              <a:rPr lang="pl-PL" dirty="0" smtClean="0"/>
-              <a:t>Zarządzanie stroną i bazą danych w przeglądarce  - Azure</a:t>
+              <a:rPr lang="pl-PL" dirty="0"/>
+              <a:t>Wykorzystane technologie</a:t>
             </a:r>
             <a:endParaRPr lang="pl-PL" dirty="0"/>
           </a:p>
         </p:txBody>
       </p:sp>
-      <p:pic>
-        <p:nvPicPr>
-          <p:cNvPr id="4" name="Picture 3"/>
-          <p:cNvPicPr>
-            <a:picLocks noChangeAspect="1"/>
-          </p:cNvPicPr>
-          <p:nvPr/>
-        </p:nvPicPr>
-        <p:blipFill>
-          <a:blip r:embed="rId2"/>
-          <a:stretch>
-            <a:fillRect/>
-          </a:stretch>
-        </p:blipFill>
-        <p:spPr>
-          <a:xfrm>
-            <a:off x="375781" y="1694079"/>
-            <a:ext cx="11439775" cy="5051657"/>
-          </a:xfrm>
-          <a:prstGeom prst="rect">
-            <a:avLst/>
-          </a:prstGeom>
-        </p:spPr>
-      </p:pic>
+      <p:sp>
+        <p:nvSpPr>
+          <p:cNvPr id="5" name="Content Placeholder 2"/>
+          <p:cNvSpPr>
+            <a:spLocks noGrp="1"/>
+          </p:cNvSpPr>
+          <p:nvPr>
+            <p:ph idx="1"/>
+          </p:nvPr>
+        </p:nvSpPr>
+        <p:spPr>
+          <a:xfrm>
+            <a:off x="604434" y="1553226"/>
+            <a:ext cx="11295292" cy="5198303"/>
+          </a:xfrm>
+        </p:spPr>
+        <p:txBody>
+          <a:bodyPr>
+            <a:normAutofit/>
+          </a:bodyPr>
+          <a:lstStyle/>
+          <a:p>
+            <a:pPr marL="342900" indent="-342900">
+              <a:buFont typeface="Arial" panose="020B0604020202020204" pitchFamily="34" charset="0"/>
+              <a:buChar char="•"/>
+            </a:pPr>
+            <a:r>
+              <a:rPr lang="pl-PL" sz="2800" dirty="0"/>
+              <a:t>Entity Framework </a:t>
+            </a:r>
+            <a:r>
+              <a:rPr lang="pl-PL" sz="2800" i="1" dirty="0"/>
+              <a:t>(</a:t>
+            </a:r>
+            <a:r>
+              <a:rPr lang="en-US" sz="2800" i="1" dirty="0"/>
+              <a:t>an open source object-relational mapping</a:t>
+            </a:r>
+            <a:r>
+              <a:rPr lang="pl-PL" sz="2800" i="1" dirty="0"/>
+              <a:t> tech</a:t>
+            </a:r>
+            <a:r>
+              <a:rPr lang="pl-PL" sz="2800" i="1" dirty="0" smtClean="0"/>
+              <a:t>.),</a:t>
+            </a:r>
+          </a:p>
+          <a:p>
+            <a:pPr marL="342900" indent="-342900">
+              <a:buFont typeface="Arial" panose="020B0604020202020204" pitchFamily="34" charset="0"/>
+              <a:buChar char="•"/>
+            </a:pPr>
+            <a:r>
+              <a:rPr lang="pl-PL" sz="2800" dirty="0"/>
+              <a:t>Azure SDK – dodatek do Visual Studio platformy Azure</a:t>
+            </a:r>
+            <a:r>
+              <a:rPr lang="pl-PL" sz="2800" dirty="0" smtClean="0"/>
+              <a:t>,</a:t>
+            </a:r>
+          </a:p>
+          <a:p>
+            <a:pPr marL="342900" indent="-342900">
+              <a:buFont typeface="Arial" panose="020B0604020202020204" pitchFamily="34" charset="0"/>
+              <a:buChar char="•"/>
+            </a:pPr>
+            <a:r>
+              <a:rPr lang="pl-PL" sz="2800" dirty="0"/>
+              <a:t>MVC (</a:t>
+            </a:r>
+            <a:r>
+              <a:rPr lang="pl-PL" sz="2800" i="1" dirty="0"/>
+              <a:t>ang. Model-View-Controller</a:t>
+            </a:r>
+            <a:r>
+              <a:rPr lang="pl-PL" sz="2800" i="1" dirty="0" smtClean="0"/>
+              <a:t>),</a:t>
+            </a:r>
+          </a:p>
+          <a:p>
+            <a:pPr marL="342900" indent="-342900">
+              <a:buFont typeface="Arial" panose="020B0604020202020204" pitchFamily="34" charset="0"/>
+              <a:buChar char="•"/>
+            </a:pPr>
+            <a:r>
+              <a:rPr lang="pl-PL" sz="2800" dirty="0"/>
+              <a:t>ASP.NET</a:t>
+            </a:r>
+            <a:r>
+              <a:rPr lang="pl-PL" sz="2800" dirty="0" smtClean="0"/>
+              <a:t>,</a:t>
+            </a:r>
+          </a:p>
+          <a:p>
+            <a:pPr marL="457200" indent="-457200">
+              <a:buFont typeface="Arial" panose="020B0604020202020204" pitchFamily="34" charset="0"/>
+              <a:buChar char="•"/>
+            </a:pPr>
+            <a:r>
+              <a:rPr lang="pl-PL" sz="3200" i="1" dirty="0"/>
+              <a:t>RESTful service (ang. </a:t>
+            </a:r>
+            <a:r>
+              <a:rPr lang="pl-PL" sz="2800" i="1" dirty="0"/>
+              <a:t>Representational State Transfer</a:t>
+            </a:r>
+            <a:r>
+              <a:rPr lang="pl-PL" sz="2800" i="1" dirty="0" smtClean="0"/>
+              <a:t>),</a:t>
+            </a:r>
+            <a:endParaRPr lang="pl-PL" sz="2800" dirty="0"/>
+          </a:p>
+          <a:p>
+            <a:endParaRPr lang="pl-PL" sz="2400" dirty="0"/>
+          </a:p>
+          <a:p>
+            <a:endParaRPr lang="pl-PL" sz="2400" b="1" i="1" dirty="0"/>
+          </a:p>
+          <a:p>
+            <a:endParaRPr lang="pl-PL" sz="2400" dirty="0" smtClean="0"/>
+          </a:p>
+        </p:txBody>
+      </p:sp>
     </p:spTree>
     <p:extLst>
       <p:ext uri="{BB962C8B-B14F-4D97-AF65-F5344CB8AC3E}">
@@ -7008,96 +7093,64 @@
           <a:p>
             <a:r>
               <a:rPr lang="pl-PL" dirty="0" smtClean="0"/>
-              <a:t>Wykorzystane technologie i cechy Aplikacji</a:t>
+              <a:t>XAML &amp; C# - MVVM</a:t>
             </a:r>
             <a:endParaRPr lang="pl-PL" dirty="0"/>
           </a:p>
         </p:txBody>
       </p:sp>
-      <p:sp>
-        <p:nvSpPr>
-          <p:cNvPr id="4" name="Content Placeholder 2"/>
-          <p:cNvSpPr>
-            <a:spLocks noGrp="1"/>
-          </p:cNvSpPr>
-          <p:nvPr>
-            <p:ph idx="1"/>
-          </p:nvPr>
-        </p:nvSpPr>
-        <p:spPr>
-          <a:xfrm>
-            <a:off x="604434" y="1553226"/>
-            <a:ext cx="11295292" cy="5085567"/>
-          </a:xfrm>
-        </p:spPr>
-        <p:txBody>
-          <a:bodyPr>
-            <a:normAutofit fontScale="92500"/>
-          </a:bodyPr>
-          <a:lstStyle/>
-          <a:p>
-            <a:pPr marL="342900" indent="-342900">
-              <a:buFont typeface="Arial" panose="020B0604020202020204" pitchFamily="34" charset="0"/>
-              <a:buChar char="•"/>
-            </a:pPr>
-            <a:r>
-              <a:rPr lang="pl-PL" sz="3600" dirty="0" smtClean="0"/>
-              <a:t>C# - uniwersalny język platformy .NET</a:t>
-            </a:r>
-            <a:endParaRPr lang="pl-PL" sz="3600" i="1" dirty="0" smtClean="0"/>
-          </a:p>
-          <a:p>
-            <a:pPr marL="342900" indent="-342900">
-              <a:buFont typeface="Arial" panose="020B0604020202020204" pitchFamily="34" charset="0"/>
-              <a:buChar char="•"/>
-            </a:pPr>
-            <a:r>
-              <a:rPr lang="pl-PL" sz="3600" dirty="0" smtClean="0"/>
-              <a:t>XAML – język skryptowy, opisujący wygląd aplikacji</a:t>
-            </a:r>
-          </a:p>
-          <a:p>
-            <a:pPr marL="342900" indent="-342900">
-              <a:buFont typeface="Arial" panose="020B0604020202020204" pitchFamily="34" charset="0"/>
-              <a:buChar char="•"/>
-            </a:pPr>
-            <a:r>
-              <a:rPr lang="pl-PL" sz="3600" dirty="0" smtClean="0"/>
-              <a:t>MVVM – </a:t>
-            </a:r>
-            <a:r>
-              <a:rPr lang="pl-PL" sz="3600" dirty="0"/>
-              <a:t>uniwersalny </a:t>
-            </a:r>
-            <a:r>
-              <a:rPr lang="pl-PL" sz="3600" dirty="0" smtClean="0"/>
-              <a:t>wzorzec projektowy pozwalający na łatwą modyfikację logiki oraz widoków aplikacji</a:t>
-            </a:r>
-          </a:p>
-          <a:p>
-            <a:pPr marL="342900" indent="-342900">
-              <a:buFont typeface="Arial" panose="020B0604020202020204" pitchFamily="34" charset="0"/>
-              <a:buChar char="•"/>
-            </a:pPr>
-            <a:r>
-              <a:rPr lang="pl-PL" sz="3600" dirty="0" smtClean="0"/>
-              <a:t>Trójdzielna struktura solucji </a:t>
-            </a:r>
-            <a:r>
-              <a:rPr lang="pl-PL" sz="2200" dirty="0" smtClean="0"/>
-              <a:t>(aplikacja + services + web services)</a:t>
-            </a:r>
-            <a:endParaRPr lang="pl-PL" sz="3600" dirty="0" smtClean="0"/>
-          </a:p>
-          <a:p>
-            <a:endParaRPr lang="pl-PL" sz="2400" dirty="0" smtClean="0"/>
-          </a:p>
-        </p:txBody>
-      </p:sp>
+      <p:pic>
+        <p:nvPicPr>
+          <p:cNvPr id="6" name="Picture 5"/>
+          <p:cNvPicPr>
+            <a:picLocks noChangeAspect="1"/>
+          </p:cNvPicPr>
+          <p:nvPr/>
+        </p:nvPicPr>
+        <p:blipFill>
+          <a:blip r:embed="rId2"/>
+          <a:stretch>
+            <a:fillRect/>
+          </a:stretch>
+        </p:blipFill>
+        <p:spPr>
+          <a:xfrm>
+            <a:off x="466647" y="1963064"/>
+            <a:ext cx="5270273" cy="3731746"/>
+          </a:xfrm>
+          <a:prstGeom prst="rect">
+            <a:avLst/>
+          </a:prstGeom>
+        </p:spPr>
+      </p:pic>
+      <p:pic>
+        <p:nvPicPr>
+          <p:cNvPr id="7" name="Picture 6"/>
+          <p:cNvPicPr>
+            <a:picLocks noChangeAspect="1"/>
+          </p:cNvPicPr>
+          <p:nvPr/>
+        </p:nvPicPr>
+        <p:blipFill>
+          <a:blip r:embed="rId3"/>
+          <a:stretch>
+            <a:fillRect/>
+          </a:stretch>
+        </p:blipFill>
+        <p:spPr>
+          <a:xfrm>
+            <a:off x="6098730" y="1963064"/>
+            <a:ext cx="5590931" cy="3731746"/>
+          </a:xfrm>
+          <a:prstGeom prst="rect">
+            <a:avLst/>
+          </a:prstGeom>
+        </p:spPr>
+      </p:pic>
     </p:spTree>
     <p:extLst>
       <p:ext uri="{BB962C8B-B14F-4D97-AF65-F5344CB8AC3E}">
-        <p14:creationId xmlns:p14="http://schemas.microsoft.com/office/powerpoint/2010/main" val="3012930868"/>
+        <p14:creationId xmlns:p14="http://schemas.microsoft.com/office/powerpoint/2010/main" val="373774334"/>
       </p:ext>
     </p:extLst>
   </p:cSld>
@@ -7148,15 +7201,15 @@
           <a:p>
             <a:r>
               <a:rPr lang="pl-PL" dirty="0" smtClean="0"/>
-              <a:t>XAML &amp; C# - MVVM – jak to dzia</a:t>
-            </a:r>
-            <a:r>
-              <a:rPr lang="pl-PL" dirty="0"/>
-              <a:t>ł</a:t>
+              <a:t> </a:t>
             </a:r>
             <a:r>
               <a:rPr lang="pl-PL" dirty="0" smtClean="0"/>
-              <a:t>a?</a:t>
+              <a:t>Schemat </a:t>
+            </a:r>
+            <a:r>
+              <a:rPr lang="pl-PL" dirty="0" smtClean="0"/>
+              <a:t>bazy danych</a:t>
             </a:r>
             <a:endParaRPr lang="pl-PL" dirty="0"/>
           </a:p>
@@ -7164,7 +7217,7 @@
       </p:sp>
       <p:pic>
         <p:nvPicPr>
-          <p:cNvPr id="6" name="Picture 5"/>
+          <p:cNvPr id="4" name="Picture 3"/>
           <p:cNvPicPr>
             <a:picLocks noChangeAspect="1"/>
           </p:cNvPicPr>
@@ -7178,32 +7231,8 @@
         </p:blipFill>
         <p:spPr>
           <a:xfrm>
-            <a:off x="466647" y="1963064"/>
-            <a:ext cx="5270273" cy="3731746"/>
-          </a:xfrm>
-          <a:prstGeom prst="rect">
-            <a:avLst/>
-          </a:prstGeom>
-        </p:spPr>
-      </p:pic>
-      <p:pic>
-        <p:nvPicPr>
-          <p:cNvPr id="7" name="Picture 6"/>
-          <p:cNvPicPr>
-            <a:picLocks noChangeAspect="1"/>
-          </p:cNvPicPr>
-          <p:nvPr/>
-        </p:nvPicPr>
-        <p:blipFill>
-          <a:blip r:embed="rId3"/>
-          <a:stretch>
-            <a:fillRect/>
-          </a:stretch>
-        </p:blipFill>
-        <p:spPr>
-          <a:xfrm>
-            <a:off x="6098730" y="1963064"/>
-            <a:ext cx="5590931" cy="3731746"/>
+            <a:off x="3204706" y="1606642"/>
+            <a:ext cx="6026976" cy="4941144"/>
           </a:xfrm>
           <a:prstGeom prst="rect">
             <a:avLst/>
@@ -7213,7 +7242,7 @@
     </p:spTree>
     <p:extLst>
       <p:ext uri="{BB962C8B-B14F-4D97-AF65-F5344CB8AC3E}">
-        <p14:creationId xmlns:p14="http://schemas.microsoft.com/office/powerpoint/2010/main" val="373774334"/>
+        <p14:creationId xmlns:p14="http://schemas.microsoft.com/office/powerpoint/2010/main" val="2405520550"/>
       </p:ext>
     </p:extLst>
   </p:cSld>
@@ -7264,23 +7293,59 @@
           <a:p>
             <a:r>
               <a:rPr lang="pl-PL" dirty="0" smtClean="0"/>
-              <a:t> </a:t>
-            </a:r>
-            <a:r>
-              <a:rPr lang="pl-PL" dirty="0"/>
-              <a:t>s</a:t>
-            </a:r>
-            <a:r>
-              <a:rPr lang="pl-PL" dirty="0" smtClean="0"/>
-              <a:t>chemat bazy danych</a:t>
-            </a:r>
-            <a:endParaRPr lang="pl-PL" dirty="0"/>
+              <a:t>Obsługa aplikacji</a:t>
+            </a:r>
+            <a:endParaRPr lang="en-US" dirty="0"/>
+          </a:p>
+        </p:txBody>
+      </p:sp>
+      <p:sp>
+        <p:nvSpPr>
+          <p:cNvPr id="3" name="Content Placeholder 2"/>
+          <p:cNvSpPr>
+            <a:spLocks noGrp="1"/>
+          </p:cNvSpPr>
+          <p:nvPr>
+            <p:ph idx="1"/>
+          </p:nvPr>
+        </p:nvSpPr>
+        <p:spPr>
+          <a:xfrm>
+            <a:off x="800101" y="1415440"/>
+            <a:ext cx="5688381" cy="5085567"/>
+          </a:xfrm>
+        </p:spPr>
+        <p:txBody>
+          <a:bodyPr>
+            <a:normAutofit/>
+          </a:bodyPr>
+          <a:lstStyle/>
+          <a:p>
+            <a:pPr marL="342900" indent="-342900">
+              <a:buFont typeface="Arial" panose="020B0604020202020204" pitchFamily="34" charset="0"/>
+              <a:buChar char="•"/>
+            </a:pPr>
+            <a:r>
+              <a:rPr lang="pl-PL" sz="3200" dirty="0" smtClean="0"/>
+              <a:t>Prosta i intuicyjna - zgodna ze standardami technologii Microsoftu.</a:t>
+            </a:r>
+          </a:p>
+          <a:p>
+            <a:pPr marL="342900" indent="-342900">
+              <a:buFont typeface="Arial" panose="020B0604020202020204" pitchFamily="34" charset="0"/>
+              <a:buChar char="•"/>
+            </a:pPr>
+            <a:r>
+              <a:rPr lang="pl-PL" sz="3200" dirty="0" smtClean="0"/>
+              <a:t>Logowanie do systemu przy pomocy loginu i hasła.</a:t>
+            </a:r>
+            <a:endParaRPr lang="pl-PL" sz="3200" dirty="0"/>
           </a:p>
         </p:txBody>
       </p:sp>
       <p:pic>
         <p:nvPicPr>
-          <p:cNvPr id="3" name="Picture 2"/>
+          <p:cNvPr id="4" name="Picture 3"/>
           <p:cNvPicPr>
             <a:picLocks noChangeAspect="1"/>
           </p:cNvPicPr>
@@ -7294,8 +7359,8 @@
         </p:blipFill>
         <p:spPr>
           <a:xfrm>
-            <a:off x="604433" y="1487204"/>
-            <a:ext cx="10818379" cy="4800861"/>
+            <a:off x="7064967" y="325437"/>
+            <a:ext cx="3317283" cy="6052067"/>
           </a:xfrm>
           <a:prstGeom prst="rect">
             <a:avLst/>
@@ -7305,13 +7370,21 @@
     </p:spTree>
     <p:extLst>
       <p:ext uri="{BB962C8B-B14F-4D97-AF65-F5344CB8AC3E}">
-        <p14:creationId xmlns:p14="http://schemas.microsoft.com/office/powerpoint/2010/main" val="2405520550"/>
+        <p14:creationId xmlns:p14="http://schemas.microsoft.com/office/powerpoint/2010/main" val="1531532291"/>
       </p:ext>
     </p:extLst>
   </p:cSld>
   <p:clrMapOvr>
     <a:masterClrMapping/>
   </p:clrMapOvr>
+  <mc:AlternateContent xmlns:mc="http://schemas.openxmlformats.org/markup-compatibility/2006" xmlns:p14="http://schemas.microsoft.com/office/powerpoint/2010/main">
+    <mc:Choice Requires="p14">
+      <p:transition p14:dur="10"/>
+    </mc:Choice>
+    <mc:Fallback xmlns="">
+      <p:transition/>
+    </mc:Fallback>
+  </mc:AlternateContent>
   <p:timing>
     <p:tnLst>
       <p:par>
@@ -7355,16 +7428,15 @@
           <a:lstStyle/>
           <a:p>
             <a:r>
-              <a:rPr lang="pl-PL" dirty="0" smtClean="0"/>
+              <a:rPr lang="pl-PL" dirty="0"/>
               <a:t>Obsługa aplikacji</a:t>
             </a:r>
-            <a:endParaRPr lang="en-US" dirty="0"/>
-          </a:p>
-        </p:txBody>
-      </p:sp>
-      <p:sp>
-        <p:nvSpPr>
-          <p:cNvPr id="3" name="Content Placeholder 2"/>
+          </a:p>
+        </p:txBody>
+      </p:sp>
+      <p:sp>
+        <p:nvSpPr>
+          <p:cNvPr id="4" name="Content Placeholder 2"/>
           <p:cNvSpPr>
             <a:spLocks noGrp="1"/>
           </p:cNvSpPr>
@@ -7374,56 +7446,62 @@
         </p:nvSpPr>
         <p:spPr>
           <a:xfrm>
-            <a:off x="800101" y="1415440"/>
-            <a:ext cx="5688381" cy="5085567"/>
+            <a:off x="800101" y="1825625"/>
+            <a:ext cx="6277104" cy="4351338"/>
           </a:xfrm>
         </p:spPr>
         <p:txBody>
           <a:bodyPr>
-            <a:normAutofit/>
+            <a:noAutofit/>
           </a:bodyPr>
           <a:lstStyle/>
           <a:p>
-            <a:pPr marL="342900" indent="-342900">
+            <a:pPr marL="457200" indent="-457200">
               <a:buFont typeface="Arial" panose="020B0604020202020204" pitchFamily="34" charset="0"/>
               <a:buChar char="•"/>
             </a:pPr>
             <a:r>
-              <a:rPr lang="pl-PL" sz="2800" dirty="0" smtClean="0"/>
-              <a:t>Prosta i intuicyjna - zgodna ze standardami technologii Microsoftu.</a:t>
-            </a:r>
-          </a:p>
-          <a:p>
-            <a:pPr marL="342900" indent="-342900">
-              <a:buFont typeface="Arial" panose="020B0604020202020204" pitchFamily="34" charset="0"/>
-              <a:buChar char="•"/>
-            </a:pPr>
-            <a:r>
-              <a:rPr lang="pl-PL" sz="2800" dirty="0" smtClean="0"/>
-              <a:t>Logowanie do systemu przy pomocy loginu i hasła.</a:t>
-            </a:r>
-            <a:endParaRPr lang="pl-PL" sz="2800" dirty="0"/>
+              <a:rPr lang="pl-PL" sz="3200" dirty="0" smtClean="0"/>
+              <a:t>Główna strona – wykorzystanie kontrolki </a:t>
+            </a:r>
+            <a:r>
+              <a:rPr lang="pl-PL" sz="3200" i="1" dirty="0" smtClean="0"/>
+              <a:t>pivot</a:t>
+            </a:r>
+            <a:r>
+              <a:rPr lang="pl-PL" sz="3200" dirty="0" smtClean="0"/>
+              <a:t> ułatiwającej nawigację miedzy stronami oraz zachowuje porządek wizualny i przejrzystość kodu.</a:t>
+            </a:r>
+          </a:p>
+          <a:p>
+            <a:endParaRPr lang="pl-PL" sz="2400" dirty="0"/>
           </a:p>
         </p:txBody>
       </p:sp>
       <p:pic>
         <p:nvPicPr>
-          <p:cNvPr id="4" name="Picture 3"/>
+          <p:cNvPr id="3" name="Picture 2"/>
           <p:cNvPicPr>
             <a:picLocks noChangeAspect="1"/>
           </p:cNvPicPr>
           <p:nvPr/>
         </p:nvPicPr>
         <p:blipFill>
-          <a:blip r:embed="rId2"/>
+          <a:blip r:embed="rId2">
+            <a:extLst>
+              <a:ext uri="{28A0092B-C50C-407E-A947-70E740481C1C}">
+                <a14:useLocalDpi xmlns:a14="http://schemas.microsoft.com/office/drawing/2010/main" val="0"/>
+              </a:ext>
+            </a:extLst>
+          </a:blip>
           <a:stretch>
             <a:fillRect/>
           </a:stretch>
         </p:blipFill>
         <p:spPr>
           <a:xfrm>
-            <a:off x="7064967" y="325437"/>
-            <a:ext cx="3317283" cy="6052067"/>
+            <a:off x="7634846" y="252113"/>
+            <a:ext cx="3337954" cy="6121234"/>
           </a:xfrm>
           <a:prstGeom prst="rect">
             <a:avLst/>
@@ -7433,21 +7511,13 @@
     </p:spTree>
     <p:extLst>
       <p:ext uri="{BB962C8B-B14F-4D97-AF65-F5344CB8AC3E}">
-        <p14:creationId xmlns:p14="http://schemas.microsoft.com/office/powerpoint/2010/main" val="1531532291"/>
+        <p14:creationId xmlns:p14="http://schemas.microsoft.com/office/powerpoint/2010/main" val="1175120168"/>
       </p:ext>
     </p:extLst>
   </p:cSld>
   <p:clrMapOvr>
     <a:masterClrMapping/>
   </p:clrMapOvr>
-  <mc:AlternateContent xmlns:mc="http://schemas.openxmlformats.org/markup-compatibility/2006" xmlns:p14="http://schemas.microsoft.com/office/powerpoint/2010/main">
-    <mc:Choice Requires="p14">
-      <p:transition p14:dur="10"/>
-    </mc:Choice>
-    <mc:Fallback xmlns="">
-      <p:transition/>
-    </mc:Fallback>
-  </mc:AlternateContent>
   <p:timing>
     <p:tnLst>
       <p:par>

--- a/Dokumentacja/Tillsammens.pptx
+++ b/Dokumentacja/Tillsammens.pptx
@@ -257,7 +257,7 @@
           <a:p>
             <a:fld id="{EC13577B-6902-467D-A26C-08A0DD5E4E03}" type="datetimeFigureOut">
               <a:rPr lang="en-US" smtClean="0"/>
-              <a:t>1/28/2017</a:t>
+              <a:t>1/30/2017</a:t>
             </a:fld>
             <a:endParaRPr lang="en-US"/>
           </a:p>
@@ -907,7 +907,7 @@
           <a:p>
             <a:fld id="{8BEEBAAA-29B5-4AF5-BC5F-7E580C29002D}" type="datetimeFigureOut">
               <a:rPr lang="en-US" smtClean="0"/>
-              <a:t>1/28/2017</a:t>
+              <a:t>1/30/2017</a:t>
             </a:fld>
             <a:endParaRPr lang="en-US"/>
           </a:p>
@@ -1184,7 +1184,7 @@
           <a:p>
             <a:fld id="{8BEEBAAA-29B5-4AF5-BC5F-7E580C29002D}" type="datetimeFigureOut">
               <a:rPr lang="en-US" smtClean="0"/>
-              <a:t>1/28/2017</a:t>
+              <a:t>1/30/2017</a:t>
             </a:fld>
             <a:endParaRPr lang="en-US"/>
           </a:p>
@@ -1466,7 +1466,7 @@
           <a:p>
             <a:fld id="{8BEEBAAA-29B5-4AF5-BC5F-7E580C29002D}" type="datetimeFigureOut">
               <a:rPr lang="en-US" smtClean="0"/>
-              <a:t>1/28/2017</a:t>
+              <a:t>1/30/2017</a:t>
             </a:fld>
             <a:endParaRPr lang="en-US"/>
           </a:p>
@@ -1827,7 +1827,7 @@
           <a:p>
             <a:fld id="{8BEEBAAA-29B5-4AF5-BC5F-7E580C29002D}" type="datetimeFigureOut">
               <a:rPr lang="en-US" smtClean="0"/>
-              <a:t>1/28/2017</a:t>
+              <a:t>1/30/2017</a:t>
             </a:fld>
             <a:endParaRPr lang="en-US"/>
           </a:p>
@@ -2127,7 +2127,7 @@
           <a:p>
             <a:fld id="{8BEEBAAA-29B5-4AF5-BC5F-7E580C29002D}" type="datetimeFigureOut">
               <a:rPr lang="en-US" smtClean="0"/>
-              <a:t>1/28/2017</a:t>
+              <a:t>1/30/2017</a:t>
             </a:fld>
             <a:endParaRPr lang="en-US"/>
           </a:p>
@@ -2642,7 +2642,7 @@
           <a:p>
             <a:fld id="{8BEEBAAA-29B5-4AF5-BC5F-7E580C29002D}" type="datetimeFigureOut">
               <a:rPr lang="en-US" smtClean="0"/>
-              <a:t>1/28/2017</a:t>
+              <a:t>1/30/2017</a:t>
             </a:fld>
             <a:endParaRPr lang="en-US"/>
           </a:p>
@@ -3287,7 +3287,7 @@
           <a:p>
             <a:fld id="{8BEEBAAA-29B5-4AF5-BC5F-7E580C29002D}" type="datetimeFigureOut">
               <a:rPr lang="en-US" smtClean="0"/>
-              <a:t>1/28/2017</a:t>
+              <a:t>1/30/2017</a:t>
             </a:fld>
             <a:endParaRPr lang="en-US"/>
           </a:p>
@@ -3512,7 +3512,7 @@
           <a:p>
             <a:fld id="{8BEEBAAA-29B5-4AF5-BC5F-7E580C29002D}" type="datetimeFigureOut">
               <a:rPr lang="en-US" smtClean="0"/>
-              <a:t>1/28/2017</a:t>
+              <a:t>1/30/2017</a:t>
             </a:fld>
             <a:endParaRPr lang="en-US"/>
           </a:p>
@@ -3653,7 +3653,7 @@
           <a:p>
             <a:fld id="{8BEEBAAA-29B5-4AF5-BC5F-7E580C29002D}" type="datetimeFigureOut">
               <a:rPr lang="en-US" smtClean="0"/>
-              <a:t>1/28/2017</a:t>
+              <a:t>1/30/2017</a:t>
             </a:fld>
             <a:endParaRPr lang="en-US"/>
           </a:p>
@@ -3990,7 +3990,7 @@
           <a:p>
             <a:fld id="{8BEEBAAA-29B5-4AF5-BC5F-7E580C29002D}" type="datetimeFigureOut">
               <a:rPr lang="en-US" smtClean="0"/>
-              <a:t>1/28/2017</a:t>
+              <a:t>1/30/2017</a:t>
             </a:fld>
             <a:endParaRPr lang="en-US"/>
           </a:p>
@@ -4247,7 +4247,7 @@
           <a:p>
             <a:fld id="{8BEEBAAA-29B5-4AF5-BC5F-7E580C29002D}" type="datetimeFigureOut">
               <a:rPr lang="en-US" smtClean="0"/>
-              <a:t>1/28/2017</a:t>
+              <a:t>1/30/2017</a:t>
             </a:fld>
             <a:endParaRPr lang="en-US"/>
           </a:p>
@@ -4460,7 +4460,7 @@
           <a:p>
             <a:fld id="{8BEEBAAA-29B5-4AF5-BC5F-7E580C29002D}" type="datetimeFigureOut">
               <a:rPr lang="en-US" smtClean="0"/>
-              <a:t>1/28/2017</a:t>
+              <a:t>1/30/2017</a:t>
             </a:fld>
             <a:endParaRPr lang="en-US"/>
           </a:p>
@@ -4886,15 +4886,7 @@
           <a:p>
             <a:r>
               <a:rPr lang="pl-PL" sz="4800" dirty="0" smtClean="0"/>
-              <a:t>Mobilna aplikacja </a:t>
-            </a:r>
-            <a:r>
-              <a:rPr lang="pl-PL" sz="4800" dirty="0" smtClean="0"/>
-              <a:t>społecznościowa </a:t>
-            </a:r>
-            <a:r>
-              <a:rPr lang="pl-PL" sz="4800" dirty="0" smtClean="0"/>
-              <a:t>oparta na </a:t>
+              <a:t>Mobilna aplikacja społecznościowa oparta na </a:t>
             </a:r>
             <a:r>
               <a:rPr lang="pl-PL" sz="4800" dirty="0"/>
@@ -5525,11 +5517,7 @@
           <a:p>
             <a:r>
               <a:rPr lang="pl-PL" dirty="0" smtClean="0"/>
-              <a:t>Obsługa </a:t>
-            </a:r>
-            <a:r>
-              <a:rPr lang="pl-PL" dirty="0" smtClean="0"/>
-              <a:t>aplikacji</a:t>
+              <a:t>Obsługa aplikacji</a:t>
             </a:r>
             <a:endParaRPr lang="pl-PL" dirty="0"/>
           </a:p>
@@ -6313,11 +6301,7 @@
             </a:pPr>
             <a:r>
               <a:rPr lang="pl-PL" sz="2400" dirty="0" smtClean="0"/>
-              <a:t>Mobilna Aplikacja internetowa służąca do odbierania i udostępniania danych o użytkownikach, a w szczególności ich </a:t>
-            </a:r>
-            <a:r>
-              <a:rPr lang="pl-PL" sz="2400" dirty="0" smtClean="0"/>
-              <a:t>położenia,</a:t>
+              <a:t>Mobilna Aplikacja internetowa służąca do odbierania i udostępniania danych o użytkownikach, a w szczególności ich położenia,</a:t>
             </a:r>
             <a:endParaRPr lang="pl-PL" sz="2400" dirty="0"/>
           </a:p>
@@ -6328,15 +6312,7 @@
             </a:pPr>
             <a:r>
               <a:rPr lang="pl-PL" sz="2400" dirty="0" smtClean="0"/>
-              <a:t>API z bazą danych usytuowane </a:t>
-            </a:r>
-            <a:r>
-              <a:rPr lang="pl-PL" sz="2400" dirty="0" smtClean="0"/>
-              <a:t>na serwerach Microsoft </a:t>
-            </a:r>
-            <a:r>
-              <a:rPr lang="pl-PL" sz="2400" dirty="0" smtClean="0"/>
-              <a:t>Azure,</a:t>
+              <a:t>API z bazą danych usytuowane na serwerach Microsoft Azure,</a:t>
             </a:r>
           </a:p>
           <a:p>
@@ -6346,17 +6322,8 @@
             </a:pPr>
             <a:r>
               <a:rPr lang="pl-PL" sz="2400" dirty="0" smtClean="0"/>
-              <a:t>Aplikacja działająca na  urządzeniach </a:t>
-            </a:r>
-            <a:r>
-              <a:rPr lang="pl-PL" sz="2400" dirty="0" smtClean="0"/>
-              <a:t>mobilnych z systemem operacyjnym Windows Phone </a:t>
-            </a:r>
-            <a:r>
-              <a:rPr lang="pl-PL" sz="2400" dirty="0" smtClean="0"/>
-              <a:t>8.1 oraz Windows 10 Mobile</a:t>
-            </a:r>
-            <a:endParaRPr lang="pl-PL" sz="2400" dirty="0" smtClean="0"/>
+              <a:t>Aplikacja działająca na  urządzeniach mobilnych z systemem operacyjnym Windows Phone 8.1 oraz Windows 10 Mobile</a:t>
+            </a:r>
           </a:p>
           <a:p>
             <a:pPr marL="342900" indent="-342900">
@@ -6459,46 +6426,13 @@
           <a:p>
             <a:r>
               <a:rPr lang="pl-PL" sz="2600" dirty="0" smtClean="0"/>
-              <a:t>Konta użytkowników </a:t>
-            </a:r>
+              <a:t>Konta użytkowników z indywidualnym loginem i danymi. Możliwość zmiany hasła oraz usunięcia konta.</a:t>
+            </a:r>
+          </a:p>
+          <a:p>
             <a:r>
               <a:rPr lang="pl-PL" sz="2600" dirty="0" smtClean="0"/>
-              <a:t>z </a:t>
-            </a:r>
-            <a:r>
-              <a:rPr lang="pl-PL" sz="2600" dirty="0" smtClean="0"/>
-              <a:t>indywidualnym loginem </a:t>
-            </a:r>
-            <a:r>
-              <a:rPr lang="pl-PL" sz="2600" dirty="0" smtClean="0"/>
-              <a:t>i danymi. </a:t>
-            </a:r>
-            <a:r>
-              <a:rPr lang="pl-PL" sz="2600" dirty="0" smtClean="0"/>
-              <a:t>Możliwość zmiany hasła oraz usunięcia konta.</a:t>
-            </a:r>
-            <a:endParaRPr lang="pl-PL" sz="2600" dirty="0" smtClean="0"/>
-          </a:p>
-          <a:p>
-            <a:r>
-              <a:rPr lang="pl-PL" sz="2600" dirty="0" smtClean="0"/>
-              <a:t>Lokalizowanie </a:t>
-            </a:r>
-            <a:r>
-              <a:rPr lang="pl-PL" sz="2600" dirty="0" smtClean="0"/>
-              <a:t>użytkownika </a:t>
-            </a:r>
-            <a:r>
-              <a:rPr lang="pl-PL" sz="2600" dirty="0" smtClean="0"/>
-              <a:t>przy użyciu systemu </a:t>
-            </a:r>
-            <a:r>
-              <a:rPr lang="pl-PL" sz="2600" dirty="0" smtClean="0"/>
-              <a:t>GPS oraz </a:t>
-            </a:r>
-            <a:r>
-              <a:rPr lang="pl-PL" sz="2600" dirty="0" smtClean="0"/>
-              <a:t>przeglądanie mapy z zaznaczonymi znajomymi na mapie.</a:t>
+              <a:t>Lokalizowanie użytkownika przy użyciu systemu GPS oraz przeglądanie mapy z zaznaczonymi znajomymi na mapie.</a:t>
             </a:r>
           </a:p>
           <a:p>
@@ -6510,34 +6444,17 @@
               <a:rPr lang="pl-PL" sz="2600" dirty="0" smtClean="0"/>
               <a:t>zaproszeń.</a:t>
             </a:r>
-            <a:endParaRPr lang="pl-PL" sz="2600" dirty="0" smtClean="0"/>
           </a:p>
           <a:p>
             <a:r>
               <a:rPr lang="pl-PL" sz="2600" dirty="0" smtClean="0"/>
-              <a:t>Wyszukiwanie użytkowników </a:t>
-            </a:r>
+              <a:t>Wyszukiwanie użytkowników w bazie danych.</a:t>
+            </a:r>
+          </a:p>
+          <a:p>
             <a:r>
               <a:rPr lang="pl-PL" sz="2600" dirty="0" smtClean="0"/>
-              <a:t>w </a:t>
-            </a:r>
-            <a:r>
-              <a:rPr lang="pl-PL" sz="2600" dirty="0" smtClean="0"/>
-              <a:t>bazie </a:t>
-            </a:r>
-            <a:r>
-              <a:rPr lang="pl-PL" sz="2600" dirty="0" smtClean="0"/>
-              <a:t>danych.</a:t>
-            </a:r>
-          </a:p>
-          <a:p>
-            <a:r>
-              <a:rPr lang="pl-PL" sz="2600" dirty="0" smtClean="0"/>
-              <a:t>Opis </a:t>
-            </a:r>
-            <a:r>
-              <a:rPr lang="pl-PL" sz="2600" dirty="0" smtClean="0"/>
-              <a:t>oraz zdjęcia użytkowników zawartych w liscie znajomych.</a:t>
+              <a:t>Opis oraz zdjęcia użytkowników zawartych w liscie znajomych.</a:t>
             </a:r>
             <a:endParaRPr lang="en-US" sz="2600" dirty="0"/>
           </a:p>
@@ -6768,11 +6685,7 @@
           <a:p>
             <a:r>
               <a:rPr lang="pl-PL" dirty="0" smtClean="0"/>
-              <a:t>Wykorzystane </a:t>
-            </a:r>
-            <a:r>
-              <a:rPr lang="pl-PL" dirty="0" smtClean="0"/>
-              <a:t>technologie i narzędzia</a:t>
+              <a:t>Wykorzystane technologie i narzędzia</a:t>
             </a:r>
             <a:endParaRPr lang="pl-PL" dirty="0"/>
           </a:p>
@@ -6838,7 +6751,6 @@
               <a:rPr lang="pl-PL" sz="2800" dirty="0" smtClean="0"/>
               <a:t>XAML,</a:t>
             </a:r>
-            <a:endParaRPr lang="pl-PL" sz="2800" dirty="0" smtClean="0"/>
           </a:p>
           <a:p>
             <a:pPr marL="342900" indent="-342900">
@@ -6912,7 +6824,6 @@
               <a:rPr lang="pl-PL" dirty="0"/>
               <a:t>Wykorzystane technologie</a:t>
             </a:r>
-            <a:endParaRPr lang="pl-PL" dirty="0"/>
           </a:p>
         </p:txBody>
       </p:sp>
@@ -7201,15 +7112,15 @@
           <a:p>
             <a:r>
               <a:rPr lang="pl-PL" dirty="0" smtClean="0"/>
-              <a:t> </a:t>
+              <a:t>B</a:t>
             </a:r>
             <a:r>
               <a:rPr lang="pl-PL" dirty="0" smtClean="0"/>
-              <a:t>Schemat </a:t>
+              <a:t>aza </a:t>
             </a:r>
             <a:r>
               <a:rPr lang="pl-PL" dirty="0" smtClean="0"/>
-              <a:t>bazy danych</a:t>
+              <a:t>danych</a:t>
             </a:r>
             <a:endParaRPr lang="pl-PL" dirty="0"/>
           </a:p>
